--- a/files/endpraesentation.pptx
+++ b/files/endpraesentation.pptx
@@ -344,7 +344,7 @@
             <a:fld id="{3F150D65-C64D-44FB-9152-4CC2DE0C9198}" type="datetime1">
               <a:rPr lang="en-US" smtClean="0"/>
               <a:pPr/>
-              <a:t>21.03.13</a:t>
+              <a:t>3/21/2013</a:t>
             </a:fld>
             <a:endParaRPr lang="en-US"/>
           </a:p>
@@ -559,7 +559,7 @@
             <a:fld id="{42635EB0-D091-417E-ACD5-D65E1C7D8524}" type="datetime1">
               <a:rPr lang="en-US" smtClean="0"/>
               <a:pPr/>
-              <a:t>21.03.13</a:t>
+              <a:t>3/21/2013</a:t>
             </a:fld>
             <a:endParaRPr lang="en-US"/>
           </a:p>
@@ -736,7 +736,7 @@
             <a:fld id="{7FCA09F9-C7D6-4C52-A7E8-5101239A0BA2}" type="datetime1">
               <a:rPr lang="en-US" smtClean="0"/>
               <a:pPr/>
-              <a:t>21.03.13</a:t>
+              <a:t>3/21/2013</a:t>
             </a:fld>
             <a:endParaRPr lang="en-US"/>
           </a:p>
@@ -903,7 +903,7 @@
             <a:fld id="{0FFE64A4-35FB-42B6-9183-2C0CE0E36649}" type="datetime1">
               <a:rPr lang="en-US" smtClean="0"/>
               <a:pPr/>
-              <a:t>21.03.13</a:t>
+              <a:t>3/21/2013</a:t>
             </a:fld>
             <a:endParaRPr lang="en-US"/>
           </a:p>
@@ -1189,7 +1189,7 @@
             <a:fld id="{2A2683B9-6ECA-47FA-93CF-B124A0FAC208}" type="datetime1">
               <a:rPr lang="en-US" smtClean="0"/>
               <a:pPr/>
-              <a:t>21.03.13</a:t>
+              <a:t>3/21/2013</a:t>
             </a:fld>
             <a:endParaRPr lang="en-US"/>
           </a:p>
@@ -1517,7 +1517,7 @@
             <a:fld id="{305FF66B-9476-4BB3-85E9-E01854F07F90}" type="datetime1">
               <a:rPr lang="en-US" smtClean="0"/>
               <a:pPr/>
-              <a:t>21.03.13</a:t>
+              <a:t>3/21/2013</a:t>
             </a:fld>
             <a:endParaRPr lang="en-US"/>
           </a:p>
@@ -1944,7 +1944,7 @@
             <a:fld id="{56B23FBD-8F7D-4F85-8085-67BFDB05CB71}" type="datetime1">
               <a:rPr lang="en-US" smtClean="0"/>
               <a:pPr/>
-              <a:t>21.03.13</a:t>
+              <a:t>3/21/2013</a:t>
             </a:fld>
             <a:endParaRPr lang="en-US"/>
           </a:p>
@@ -2119,7 +2119,7 @@
             <a:fld id="{465D789A-1220-4441-8676-44A034051BFD}" type="datetime1">
               <a:rPr lang="en-US" smtClean="0"/>
               <a:pPr/>
-              <a:t>21.03.13</a:t>
+              <a:t>3/21/2013</a:t>
             </a:fld>
             <a:endParaRPr lang="en-US"/>
           </a:p>
@@ -2211,7 +2211,7 @@
             <a:fld id="{EF98A266-E364-4B5E-98DD-432668182E1E}" type="datetime1">
               <a:rPr lang="en-US" smtClean="0"/>
               <a:pPr/>
-              <a:t>21.03.13</a:t>
+              <a:t>3/21/2013</a:t>
             </a:fld>
             <a:endParaRPr lang="en-US"/>
           </a:p>
@@ -2493,7 +2493,7 @@
             <a:fld id="{493F2040-9975-4642-A906-1DF87F8BE202}" type="datetime1">
               <a:rPr lang="en-US" smtClean="0"/>
               <a:pPr/>
-              <a:t>21.03.13</a:t>
+              <a:t>3/21/2013</a:t>
             </a:fld>
             <a:endParaRPr lang="en-US"/>
           </a:p>
@@ -2794,7 +2794,7 @@
             <a:fld id="{51E52B4A-BA08-4841-AB08-A0D822ABC34D}" type="datetime1">
               <a:rPr lang="en-US" smtClean="0"/>
               <a:pPr/>
-              <a:t>21.03.13</a:t>
+              <a:t>3/21/2013</a:t>
             </a:fld>
             <a:endParaRPr lang="en-US"/>
           </a:p>
@@ -3006,7 +3006,7 @@
             <a:fld id="{75D48070-6A81-47D0-9810-1540B9FEFF61}" type="datetime1">
               <a:rPr lang="en-US" smtClean="0"/>
               <a:pPr/>
-              <a:t>21.03.13</a:t>
+              <a:t>3/21/2013</a:t>
             </a:fld>
             <a:endParaRPr lang="en-US"/>
           </a:p>
@@ -3682,17 +3682,7 @@
                 <a:latin typeface="Source Code Pro"/>
                 <a:cs typeface="Source Code Pro"/>
               </a:rPr>
-              <a:t> .</a:t>
-            </a:r>
-            <a:r>
-              <a:rPr lang="fr-FR" sz="1200" dirty="0" smtClean="0">
-                <a:solidFill>
-                  <a:schemeClr val="bg1"/>
-                </a:solidFill>
-                <a:latin typeface="Source Code Pro"/>
-                <a:cs typeface="Source Code Pro"/>
-              </a:rPr>
-              <a:t>______.          </a:t>
+              <a:t> .______.          </a:t>
             </a:r>
             <a:endParaRPr lang="fr-FR" sz="1200" dirty="0">
               <a:solidFill>
@@ -3777,17 +3767,7 @@
                 <a:latin typeface="Source Code Pro"/>
                 <a:cs typeface="Source Code Pro"/>
               </a:rPr>
-              <a:t>|’’||’’|</a:t>
-            </a:r>
-            <a:r>
-              <a:rPr lang="fr-FR" sz="1200" dirty="0" smtClean="0">
-                <a:solidFill>
-                  <a:schemeClr val="bg1"/>
-                </a:solidFill>
-                <a:latin typeface="Source Code Pro"/>
-                <a:cs typeface="Source Code Pro"/>
-              </a:rPr>
-              <a:t>_.</a:t>
+              <a:t>|’’||’’|_.</a:t>
             </a:r>
             <a:r>
               <a:rPr lang="fr-FR" sz="1200" dirty="0">
@@ -4049,7 +4029,7 @@
           <a:effectLst/>
           <a:extLst>
             <a:ext uri="{C572A759-6A51-4108-AA02-DFA0A04FC94B}">
-              <ma14:wrappingTextBoxFlag xmlns:ma14="http://schemas.microsoft.com/office/mac/drawingml/2011/main"/>
+              <ma14:wrappingTextBoxFlag xmlns="" xmlns:ma14="http://schemas.microsoft.com/office/mac/drawingml/2011/main"/>
             </a:ext>
           </a:extLst>
         </p:spPr>
@@ -4526,7 +4506,7 @@
           <a:effectLst/>
           <a:extLst>
             <a:ext uri="{C572A759-6A51-4108-AA02-DFA0A04FC94B}">
-              <ma14:wrappingTextBoxFlag xmlns:ma14="http://schemas.microsoft.com/office/mac/drawingml/2011/main"/>
+              <ma14:wrappingTextBoxFlag xmlns="" xmlns:ma14="http://schemas.microsoft.com/office/mac/drawingml/2011/main"/>
             </a:ext>
           </a:extLst>
         </p:spPr>
@@ -4978,14 +4958,7 @@
                 <a:latin typeface="Source Sans Pro"/>
                 <a:cs typeface="Source Sans Pro"/>
               </a:rPr>
-              <a:t>Namenloser Held ohne Erinnerung</a:t>
-            </a:r>
-            <a:r>
-              <a:rPr lang="de-DE" dirty="0" smtClean="0">
-                <a:latin typeface="Source Sans Pro"/>
-                <a:cs typeface="Source Sans Pro"/>
-              </a:rPr>
-              <a:t>.</a:t>
+              <a:t>Namenloser Held ohne Erinnerung.</a:t>
             </a:r>
             <a:endParaRPr lang="de-DE" dirty="0">
               <a:latin typeface="Source Sans Pro"/>
@@ -5035,21 +5008,7 @@
                 <a:latin typeface="Source Sans Pro"/>
                 <a:cs typeface="Source Sans Pro"/>
               </a:rPr>
-              <a:t>Aktuell k</a:t>
-            </a:r>
-            <a:r>
-              <a:rPr lang="de-DE" dirty="0" smtClean="0">
-                <a:latin typeface="Source Sans Pro"/>
-                <a:cs typeface="Source Sans Pro"/>
-              </a:rPr>
-              <a:t>ämpft unser Held ums nackte </a:t>
-            </a:r>
-            <a:r>
-              <a:rPr lang="de-DE" dirty="0" smtClean="0">
-                <a:latin typeface="Source Sans Pro"/>
-                <a:cs typeface="Source Sans Pro"/>
-              </a:rPr>
-              <a:t>Überleben. </a:t>
+              <a:t>Aktuell kämpft unser Held ums nackte Überleben. </a:t>
             </a:r>
             <a:endParaRPr lang="de-DE" dirty="0">
               <a:latin typeface="Source Sans Pro"/>
@@ -5216,14 +5175,7 @@
                 <a:latin typeface="Source Sans Pro"/>
                 <a:cs typeface="Source Sans Pro"/>
               </a:rPr>
-              <a:t>Die Handlung geht noch nicht </a:t>
-            </a:r>
-            <a:r>
-              <a:rPr lang="de-DE" dirty="0" smtClean="0">
-                <a:latin typeface="Source Sans Pro"/>
-                <a:cs typeface="Source Sans Pro"/>
-              </a:rPr>
-              <a:t>über Hintergrundinformationen hinaus</a:t>
+              <a:t>Die Handlung geht noch nicht über Hintergrundinformationen hinaus</a:t>
             </a:r>
             <a:endParaRPr lang="de-DE" dirty="0">
               <a:latin typeface="Source Sans Pro"/>
@@ -5469,14 +5421,7 @@
                 <a:latin typeface="Source Sans Pro"/>
                 <a:cs typeface="Source Sans Pro"/>
               </a:rPr>
-              <a:t>sind </a:t>
-            </a:r>
-            <a:r>
-              <a:rPr lang="de-DE" dirty="0" smtClean="0">
-                <a:latin typeface="Source Sans Pro"/>
-                <a:cs typeface="Source Sans Pro"/>
-              </a:rPr>
-              <a:t>Gegner</a:t>
+              <a:t>sind Gegner</a:t>
             </a:r>
             <a:endParaRPr lang="de-DE" dirty="0">
               <a:latin typeface="Source Sans Pro"/>
@@ -5529,7 +5474,7 @@
                 <a:latin typeface="Source Code Pro"/>
                 <a:cs typeface="Source Code Pro"/>
               </a:rPr>
-              <a:t>[]</a:t>
+              <a:t>[ ]</a:t>
             </a:r>
             <a:r>
               <a:rPr lang="de-DE" dirty="0" smtClean="0">
@@ -5546,14 +5491,7 @@
                 <a:latin typeface="Source Sans Pro"/>
                 <a:cs typeface="Source Sans Pro"/>
               </a:rPr>
-              <a:t>ist eine T</a:t>
-            </a:r>
-            <a:r>
-              <a:rPr lang="de-DE" dirty="0" smtClean="0">
-                <a:latin typeface="Source Sans Pro"/>
-                <a:cs typeface="Source Sans Pro"/>
-              </a:rPr>
-              <a:t>ür die natürlich auch betreten werden kann</a:t>
+              <a:t>ist eine Tür die natürlich auch betreten werden kann</a:t>
             </a:r>
             <a:endParaRPr lang="de-DE" dirty="0">
               <a:latin typeface="Source Sans Pro"/>
@@ -5745,17 +5683,7 @@
                 <a:latin typeface="Source Sans Pro"/>
                 <a:cs typeface="Source Sans Pro"/>
               </a:rPr>
-              <a:t> repräsentieren</a:t>
-            </a:r>
-            <a:r>
-              <a:rPr lang="de-DE" dirty="0" smtClean="0">
-                <a:solidFill>
-                  <a:schemeClr val="bg1"/>
-                </a:solidFill>
-                <a:latin typeface="Source Sans Pro"/>
-                <a:cs typeface="Source Sans Pro"/>
-              </a:rPr>
-              <a:t> Richtungen</a:t>
+              <a:t> repräsentieren Richtungen</a:t>
             </a:r>
             <a:endParaRPr lang="de-DE" dirty="0">
               <a:solidFill>
@@ -5824,17 +5752,7 @@
                 <a:latin typeface="Source Sans Pro"/>
                 <a:cs typeface="Source Sans Pro"/>
               </a:rPr>
-              <a:t> </a:t>
-            </a:r>
-            <a:r>
-              <a:rPr lang="de-DE" dirty="0" smtClean="0">
-                <a:solidFill>
-                  <a:schemeClr val="bg1"/>
-                </a:solidFill>
-                <a:latin typeface="Source Sans Pro"/>
-                <a:cs typeface="Source Sans Pro"/>
-              </a:rPr>
-              <a:t>zum Schießen</a:t>
+              <a:t> zum Schießen</a:t>
             </a:r>
             <a:endParaRPr lang="de-DE" dirty="0">
               <a:solidFill>
@@ -5972,17 +5890,7 @@
                 <a:latin typeface="Source Sans Pro"/>
                 <a:cs typeface="Source Sans Pro"/>
               </a:rPr>
-              <a:t> </a:t>
-            </a:r>
-            <a:r>
-              <a:rPr lang="de-DE" dirty="0" smtClean="0">
-                <a:solidFill>
-                  <a:schemeClr val="bg1"/>
-                </a:solidFill>
-                <a:latin typeface="Source Sans Pro"/>
-                <a:cs typeface="Source Sans Pro"/>
-              </a:rPr>
-              <a:t>öffnet das Inventar</a:t>
+              <a:t> öffnet das Inventar</a:t>
             </a:r>
             <a:endParaRPr lang="de-DE" dirty="0">
               <a:solidFill>
@@ -6051,17 +5959,7 @@
                 <a:latin typeface="Source Sans Pro"/>
                 <a:cs typeface="Source Sans Pro"/>
               </a:rPr>
-              <a:t> f</a:t>
-            </a:r>
-            <a:r>
-              <a:rPr lang="de-DE" dirty="0" smtClean="0">
-                <a:solidFill>
-                  <a:schemeClr val="bg1"/>
-                </a:solidFill>
-                <a:latin typeface="Source Sans Pro"/>
-                <a:cs typeface="Source Sans Pro"/>
-              </a:rPr>
-              <a:t>ür Interaktion mit Personen</a:t>
+              <a:t> für Interaktion mit Personen</a:t>
             </a:r>
             <a:endParaRPr lang="de-DE" dirty="0">
               <a:solidFill>
@@ -6130,18 +6028,859 @@
                 <a:latin typeface="Source Sans Pro"/>
                 <a:cs typeface="Source Sans Pro"/>
               </a:rPr>
-              <a:t>Die Gegner</a:t>
-            </a:r>
-            <a:r>
-              <a:rPr lang="de-DE" sz="2800" dirty="0" smtClean="0">
-                <a:latin typeface="Source Sans Pro"/>
-                <a:cs typeface="Source Sans Pro"/>
-              </a:rPr>
-              <a:t>.</a:t>
+              <a:t>Die Gegner.</a:t>
             </a:r>
             <a:endParaRPr lang="de-DE" sz="2800" dirty="0">
               <a:latin typeface="Source Sans Pro"/>
               <a:cs typeface="Source Sans Pro"/>
+            </a:endParaRPr>
+          </a:p>
+        </p:txBody>
+      </p:sp>
+      <p:pic>
+        <p:nvPicPr>
+          <p:cNvPr id="1026" name="Picture 2" descr="C:\Users\Pascal Triebsch\Desktop\Neuer Ordner (3)\Dealer.bmp"/>
+          <p:cNvPicPr>
+            <a:picLocks noChangeAspect="1" noChangeArrowheads="1"/>
+          </p:cNvPicPr>
+          <p:nvPr/>
+        </p:nvPicPr>
+        <p:blipFill>
+          <a:blip r:embed="rId2">
+            <a:extLst>
+              <a:ext uri="{28A0092B-C50C-407E-A947-70E740481C1C}">
+                <a14:useLocalDpi xmlns:a14="http://schemas.microsoft.com/office/drawing/2010/main" val="0"/>
+              </a:ext>
+            </a:extLst>
+          </a:blip>
+          <a:srcRect/>
+          <a:stretch>
+            <a:fillRect/>
+          </a:stretch>
+        </p:blipFill>
+        <p:spPr bwMode="auto">
+          <a:xfrm>
+            <a:off x="971550" y="1600629"/>
+            <a:ext cx="398621" cy="770667"/>
+          </a:xfrm>
+          <a:prstGeom prst="rect">
+            <a:avLst/>
+          </a:prstGeom>
+          <a:noFill/>
+          <a:extLst>
+            <a:ext uri="{909E8E84-426E-40DD-AFC4-6F175D3DCCD1}">
+              <a14:hiddenFill xmlns:a14="http://schemas.microsoft.com/office/drawing/2010/main">
+                <a:solidFill>
+                  <a:srgbClr val="FFFFFF"/>
+                </a:solidFill>
+              </a14:hiddenFill>
+            </a:ext>
+          </a:extLst>
+        </p:spPr>
+      </p:pic>
+      <p:pic>
+        <p:nvPicPr>
+          <p:cNvPr id="1027" name="Picture 3" descr="C:\Users\Pascal Triebsch\Desktop\Neuer Ordner (3)\Exsoldat.bmp"/>
+          <p:cNvPicPr>
+            <a:picLocks noChangeAspect="1" noChangeArrowheads="1"/>
+          </p:cNvPicPr>
+          <p:nvPr/>
+        </p:nvPicPr>
+        <p:blipFill>
+          <a:blip r:embed="rId3">
+            <a:extLst>
+              <a:ext uri="{28A0092B-C50C-407E-A947-70E740481C1C}">
+                <a14:useLocalDpi xmlns:a14="http://schemas.microsoft.com/office/drawing/2010/main" val="0"/>
+              </a:ext>
+            </a:extLst>
+          </a:blip>
+          <a:srcRect/>
+          <a:stretch>
+            <a:fillRect/>
+          </a:stretch>
+        </p:blipFill>
+        <p:spPr bwMode="auto">
+          <a:xfrm>
+            <a:off x="4873401" y="1600628"/>
+            <a:ext cx="387742" cy="720091"/>
+          </a:xfrm>
+          <a:prstGeom prst="rect">
+            <a:avLst/>
+          </a:prstGeom>
+          <a:noFill/>
+          <a:extLst>
+            <a:ext uri="{909E8E84-426E-40DD-AFC4-6F175D3DCCD1}">
+              <a14:hiddenFill xmlns:a14="http://schemas.microsoft.com/office/drawing/2010/main">
+                <a:solidFill>
+                  <a:srgbClr val="FFFFFF"/>
+                </a:solidFill>
+              </a14:hiddenFill>
+            </a:ext>
+          </a:extLst>
+        </p:spPr>
+      </p:pic>
+      <p:pic>
+        <p:nvPicPr>
+          <p:cNvPr id="1028" name="Picture 4" descr="C:\Users\Pascal Triebsch\Desktop\Neuer Ordner (3)\Junkie.bmp"/>
+          <p:cNvPicPr>
+            <a:picLocks noChangeAspect="1" noChangeArrowheads="1"/>
+          </p:cNvPicPr>
+          <p:nvPr/>
+        </p:nvPicPr>
+        <p:blipFill>
+          <a:blip r:embed="rId4">
+            <a:extLst>
+              <a:ext uri="{28A0092B-C50C-407E-A947-70E740481C1C}">
+                <a14:useLocalDpi xmlns:a14="http://schemas.microsoft.com/office/drawing/2010/main" val="0"/>
+              </a:ext>
+            </a:extLst>
+          </a:blip>
+          <a:srcRect/>
+          <a:stretch>
+            <a:fillRect/>
+          </a:stretch>
+        </p:blipFill>
+        <p:spPr bwMode="auto">
+          <a:xfrm>
+            <a:off x="971550" y="548640"/>
+            <a:ext cx="398621" cy="720090"/>
+          </a:xfrm>
+          <a:prstGeom prst="rect">
+            <a:avLst/>
+          </a:prstGeom>
+          <a:noFill/>
+          <a:extLst>
+            <a:ext uri="{909E8E84-426E-40DD-AFC4-6F175D3DCCD1}">
+              <a14:hiddenFill xmlns:a14="http://schemas.microsoft.com/office/drawing/2010/main">
+                <a:solidFill>
+                  <a:srgbClr val="FFFFFF"/>
+                </a:solidFill>
+              </a14:hiddenFill>
+            </a:ext>
+          </a:extLst>
+        </p:spPr>
+      </p:pic>
+      <p:pic>
+        <p:nvPicPr>
+          <p:cNvPr id="1029" name="Picture 5" descr="C:\Users\Pascal Triebsch\Desktop\Neuer Ordner (3)\Katze.bmp"/>
+          <p:cNvPicPr>
+            <a:picLocks noChangeAspect="1" noChangeArrowheads="1"/>
+          </p:cNvPicPr>
+          <p:nvPr/>
+        </p:nvPicPr>
+        <p:blipFill>
+          <a:blip r:embed="rId5">
+            <a:extLst>
+              <a:ext uri="{28A0092B-C50C-407E-A947-70E740481C1C}">
+                <a14:useLocalDpi xmlns:a14="http://schemas.microsoft.com/office/drawing/2010/main" val="0"/>
+              </a:ext>
+            </a:extLst>
+          </a:blip>
+          <a:srcRect/>
+          <a:stretch>
+            <a:fillRect/>
+          </a:stretch>
+        </p:blipFill>
+        <p:spPr bwMode="auto">
+          <a:xfrm>
+            <a:off x="971549" y="2690812"/>
+            <a:ext cx="398621" cy="734957"/>
+          </a:xfrm>
+          <a:prstGeom prst="rect">
+            <a:avLst/>
+          </a:prstGeom>
+          <a:noFill/>
+          <a:extLst>
+            <a:ext uri="{909E8E84-426E-40DD-AFC4-6F175D3DCCD1}">
+              <a14:hiddenFill xmlns:a14="http://schemas.microsoft.com/office/drawing/2010/main">
+                <a:solidFill>
+                  <a:srgbClr val="FFFFFF"/>
+                </a:solidFill>
+              </a14:hiddenFill>
+            </a:ext>
+          </a:extLst>
+        </p:spPr>
+      </p:pic>
+      <p:pic>
+        <p:nvPicPr>
+          <p:cNvPr id="1030" name="Picture 6" descr="C:\Users\Pascal Triebsch\Desktop\Neuer Ordner (3)\Ninja.bmp"/>
+          <p:cNvPicPr>
+            <a:picLocks noChangeAspect="1" noChangeArrowheads="1"/>
+          </p:cNvPicPr>
+          <p:nvPr/>
+        </p:nvPicPr>
+        <p:blipFill>
+          <a:blip r:embed="rId6">
+            <a:extLst>
+              <a:ext uri="{28A0092B-C50C-407E-A947-70E740481C1C}">
+                <a14:useLocalDpi xmlns:a14="http://schemas.microsoft.com/office/drawing/2010/main" val="0"/>
+              </a:ext>
+            </a:extLst>
+          </a:blip>
+          <a:srcRect/>
+          <a:stretch>
+            <a:fillRect/>
+          </a:stretch>
+        </p:blipFill>
+        <p:spPr bwMode="auto">
+          <a:xfrm>
+            <a:off x="983478" y="3789045"/>
+            <a:ext cx="386693" cy="720090"/>
+          </a:xfrm>
+          <a:prstGeom prst="rect">
+            <a:avLst/>
+          </a:prstGeom>
+          <a:noFill/>
+          <a:extLst>
+            <a:ext uri="{909E8E84-426E-40DD-AFC4-6F175D3DCCD1}">
+              <a14:hiddenFill xmlns:a14="http://schemas.microsoft.com/office/drawing/2010/main">
+                <a:solidFill>
+                  <a:srgbClr val="FFFFFF"/>
+                </a:solidFill>
+              </a14:hiddenFill>
+            </a:ext>
+          </a:extLst>
+        </p:spPr>
+      </p:pic>
+      <p:pic>
+        <p:nvPicPr>
+          <p:cNvPr id="1031" name="Picture 7" descr="C:\Users\Pascal Triebsch\Desktop\Neuer Ordner (3)\verrücktes trio.bmp"/>
+          <p:cNvPicPr>
+            <a:picLocks noChangeAspect="1" noChangeArrowheads="1"/>
+          </p:cNvPicPr>
+          <p:nvPr/>
+        </p:nvPicPr>
+        <p:blipFill>
+          <a:blip r:embed="rId7">
+            <a:extLst>
+              <a:ext uri="{28A0092B-C50C-407E-A947-70E740481C1C}">
+                <a14:useLocalDpi xmlns:a14="http://schemas.microsoft.com/office/drawing/2010/main" val="0"/>
+              </a:ext>
+            </a:extLst>
+          </a:blip>
+          <a:srcRect/>
+          <a:stretch>
+            <a:fillRect/>
+          </a:stretch>
+        </p:blipFill>
+        <p:spPr bwMode="auto">
+          <a:xfrm>
+            <a:off x="4873401" y="2690812"/>
+            <a:ext cx="387743" cy="748237"/>
+          </a:xfrm>
+          <a:prstGeom prst="rect">
+            <a:avLst/>
+          </a:prstGeom>
+          <a:noFill/>
+          <a:extLst>
+            <a:ext uri="{909E8E84-426E-40DD-AFC4-6F175D3DCCD1}">
+              <a14:hiddenFill xmlns:a14="http://schemas.microsoft.com/office/drawing/2010/main">
+                <a:solidFill>
+                  <a:srgbClr val="FFFFFF"/>
+                </a:solidFill>
+              </a14:hiddenFill>
+            </a:ext>
+          </a:extLst>
+        </p:spPr>
+      </p:pic>
+      <p:pic>
+        <p:nvPicPr>
+          <p:cNvPr id="1032" name="Picture 8" descr="C:\Users\Pascal Triebsch\Desktop\Neuer Ordner (3)\Yakuza.bmp"/>
+          <p:cNvPicPr>
+            <a:picLocks noChangeAspect="1" noChangeArrowheads="1"/>
+          </p:cNvPicPr>
+          <p:nvPr/>
+        </p:nvPicPr>
+        <p:blipFill>
+          <a:blip r:embed="rId8">
+            <a:extLst>
+              <a:ext uri="{28A0092B-C50C-407E-A947-70E740481C1C}">
+                <a14:useLocalDpi xmlns:a14="http://schemas.microsoft.com/office/drawing/2010/main" val="0"/>
+              </a:ext>
+            </a:extLst>
+          </a:blip>
+          <a:srcRect/>
+          <a:stretch>
+            <a:fillRect/>
+          </a:stretch>
+        </p:blipFill>
+        <p:spPr bwMode="auto">
+          <a:xfrm>
+            <a:off x="4873402" y="473213"/>
+            <a:ext cx="387742" cy="797183"/>
+          </a:xfrm>
+          <a:prstGeom prst="rect">
+            <a:avLst/>
+          </a:prstGeom>
+          <a:noFill/>
+          <a:extLst>
+            <a:ext uri="{909E8E84-426E-40DD-AFC4-6F175D3DCCD1}">
+              <a14:hiddenFill xmlns:a14="http://schemas.microsoft.com/office/drawing/2010/main">
+                <a:solidFill>
+                  <a:srgbClr val="FFFFFF"/>
+                </a:solidFill>
+              </a14:hiddenFill>
+            </a:ext>
+          </a:extLst>
+        </p:spPr>
+      </p:pic>
+      <p:sp>
+        <p:nvSpPr>
+          <p:cNvPr id="4" name="Textfeld 3"/>
+          <p:cNvSpPr txBox="1"/>
+          <p:nvPr/>
+        </p:nvSpPr>
+        <p:spPr>
+          <a:xfrm>
+            <a:off x="1691639" y="548640"/>
+            <a:ext cx="2880361" cy="646331"/>
+          </a:xfrm>
+          <a:prstGeom prst="rect">
+            <a:avLst/>
+          </a:prstGeom>
+        </p:spPr>
+        <p:style>
+          <a:lnRef idx="3">
+            <a:schemeClr val="lt1"/>
+          </a:lnRef>
+          <a:fillRef idx="1">
+            <a:schemeClr val="accent4"/>
+          </a:fillRef>
+          <a:effectRef idx="1">
+            <a:schemeClr val="accent4"/>
+          </a:effectRef>
+          <a:fontRef idx="minor">
+            <a:schemeClr val="lt1"/>
+          </a:fontRef>
+        </p:style>
+        <p:txBody>
+          <a:bodyPr wrap="square" rtlCol="0">
+            <a:spAutoFit/>
+          </a:bodyPr>
+          <a:lstStyle/>
+          <a:p>
+            <a:r>
+              <a:rPr lang="de-DE" dirty="0" smtClean="0">
+                <a:latin typeface="Source Sans Pro"/>
+              </a:rPr>
+              <a:t>Junkie</a:t>
+            </a:r>
+          </a:p>
+          <a:p>
+            <a:r>
+              <a:rPr lang="de-DE" dirty="0" smtClean="0">
+                <a:latin typeface="Source Sans Pro"/>
+              </a:rPr>
+              <a:t>-läuft </a:t>
+            </a:r>
+            <a:r>
+              <a:rPr lang="de-DE" dirty="0" smtClean="0">
+                <a:latin typeface="Source Sans Pro"/>
+              </a:rPr>
+              <a:t>vollgedröhnt umher</a:t>
+            </a:r>
+            <a:endParaRPr lang="de-DE" dirty="0"/>
+          </a:p>
+        </p:txBody>
+      </p:sp>
+      <p:sp>
+        <p:nvSpPr>
+          <p:cNvPr id="12" name="Textfeld 11"/>
+          <p:cNvSpPr txBox="1"/>
+          <p:nvPr/>
+        </p:nvSpPr>
+        <p:spPr>
+          <a:xfrm>
+            <a:off x="1643942" y="1600628"/>
+            <a:ext cx="2880361" cy="923330"/>
+          </a:xfrm>
+          <a:prstGeom prst="rect">
+            <a:avLst/>
+          </a:prstGeom>
+        </p:spPr>
+        <p:style>
+          <a:lnRef idx="3">
+            <a:schemeClr val="lt1"/>
+          </a:lnRef>
+          <a:fillRef idx="1">
+            <a:schemeClr val="accent4"/>
+          </a:fillRef>
+          <a:effectRef idx="1">
+            <a:schemeClr val="accent4"/>
+          </a:effectRef>
+          <a:fontRef idx="minor">
+            <a:schemeClr val="lt1"/>
+          </a:fontRef>
+        </p:style>
+        <p:txBody>
+          <a:bodyPr wrap="square" rtlCol="0">
+            <a:spAutoFit/>
+          </a:bodyPr>
+          <a:lstStyle/>
+          <a:p>
+            <a:r>
+              <a:rPr lang="de-DE" dirty="0" smtClean="0">
+                <a:latin typeface="Source Sans Pro"/>
+              </a:rPr>
+              <a:t>Dealer</a:t>
+            </a:r>
+          </a:p>
+          <a:p>
+            <a:r>
+              <a:rPr lang="de-DE" dirty="0" smtClean="0">
+                <a:latin typeface="Source Sans Pro"/>
+              </a:rPr>
+              <a:t>-nähert </a:t>
+            </a:r>
+            <a:r>
+              <a:rPr lang="de-DE" dirty="0" smtClean="0">
+                <a:latin typeface="Source Sans Pro"/>
+              </a:rPr>
+              <a:t>sich „schräg“</a:t>
+            </a:r>
+          </a:p>
+          <a:p>
+            <a:r>
+              <a:rPr lang="de-DE" dirty="0" smtClean="0">
+                <a:latin typeface="Source Sans Pro"/>
+              </a:rPr>
+              <a:t>-Angriff </a:t>
+            </a:r>
+            <a:r>
+              <a:rPr lang="de-DE" dirty="0" smtClean="0">
+                <a:latin typeface="Source Sans Pro"/>
+              </a:rPr>
+              <a:t>nach Monolog</a:t>
+            </a:r>
+            <a:endParaRPr lang="de-DE" dirty="0"/>
+          </a:p>
+        </p:txBody>
+      </p:sp>
+      <p:sp>
+        <p:nvSpPr>
+          <p:cNvPr id="13" name="Textfeld 12"/>
+          <p:cNvSpPr txBox="1"/>
+          <p:nvPr/>
+        </p:nvSpPr>
+        <p:spPr>
+          <a:xfrm>
+            <a:off x="1691640" y="2690515"/>
+            <a:ext cx="2880361" cy="923330"/>
+          </a:xfrm>
+          <a:prstGeom prst="rect">
+            <a:avLst/>
+          </a:prstGeom>
+        </p:spPr>
+        <p:style>
+          <a:lnRef idx="3">
+            <a:schemeClr val="lt1"/>
+          </a:lnRef>
+          <a:fillRef idx="1">
+            <a:schemeClr val="accent4"/>
+          </a:fillRef>
+          <a:effectRef idx="1">
+            <a:schemeClr val="accent4"/>
+          </a:effectRef>
+          <a:fontRef idx="minor">
+            <a:schemeClr val="lt1"/>
+          </a:fontRef>
+        </p:style>
+        <p:txBody>
+          <a:bodyPr wrap="square" rtlCol="0">
+            <a:spAutoFit/>
+          </a:bodyPr>
+          <a:lstStyle/>
+          <a:p>
+            <a:r>
+              <a:rPr lang="de-DE" dirty="0" smtClean="0">
+                <a:latin typeface="Source Sans Pro"/>
+              </a:rPr>
+              <a:t>Katze</a:t>
+            </a:r>
+          </a:p>
+          <a:p>
+            <a:r>
+              <a:rPr lang="de-DE" dirty="0" smtClean="0">
+                <a:latin typeface="Source Sans Pro"/>
+              </a:rPr>
+              <a:t>-erhältlich </a:t>
+            </a:r>
+            <a:r>
+              <a:rPr lang="de-DE" dirty="0" smtClean="0">
+                <a:latin typeface="Source Sans Pro"/>
+              </a:rPr>
+              <a:t>in </a:t>
+            </a:r>
+            <a:r>
+              <a:rPr lang="de-DE" dirty="0" smtClean="0">
+                <a:latin typeface="Source Sans Pro"/>
+              </a:rPr>
+              <a:t>fünf </a:t>
+            </a:r>
+            <a:r>
+              <a:rPr lang="de-DE" dirty="0" smtClean="0">
+                <a:latin typeface="Source Sans Pro"/>
+              </a:rPr>
+              <a:t>tollen Farben, sammle sie alle</a:t>
+            </a:r>
+            <a:endParaRPr lang="de-DE" dirty="0"/>
+          </a:p>
+        </p:txBody>
+      </p:sp>
+      <p:sp>
+        <p:nvSpPr>
+          <p:cNvPr id="14" name="Textfeld 13"/>
+          <p:cNvSpPr txBox="1"/>
+          <p:nvPr/>
+        </p:nvSpPr>
+        <p:spPr>
+          <a:xfrm>
+            <a:off x="1691640" y="3789045"/>
+            <a:ext cx="2880361" cy="923330"/>
+          </a:xfrm>
+          <a:prstGeom prst="rect">
+            <a:avLst/>
+          </a:prstGeom>
+        </p:spPr>
+        <p:style>
+          <a:lnRef idx="3">
+            <a:schemeClr val="lt1"/>
+          </a:lnRef>
+          <a:fillRef idx="1">
+            <a:schemeClr val="accent4"/>
+          </a:fillRef>
+          <a:effectRef idx="1">
+            <a:schemeClr val="accent4"/>
+          </a:effectRef>
+          <a:fontRef idx="minor">
+            <a:schemeClr val="lt1"/>
+          </a:fontRef>
+        </p:style>
+        <p:txBody>
+          <a:bodyPr wrap="square" rtlCol="0">
+            <a:spAutoFit/>
+          </a:bodyPr>
+          <a:lstStyle/>
+          <a:p>
+            <a:r>
+              <a:rPr lang="de-DE" dirty="0" smtClean="0">
+                <a:latin typeface="Source Sans Pro"/>
+              </a:rPr>
+              <a:t>Ninja</a:t>
+            </a:r>
+          </a:p>
+          <a:p>
+            <a:r>
+              <a:rPr lang="de-DE" dirty="0" smtClean="0">
+                <a:latin typeface="Source Sans Pro"/>
+              </a:rPr>
+              <a:t>-nahezu </a:t>
+            </a:r>
+            <a:r>
+              <a:rPr lang="de-DE" dirty="0" smtClean="0">
+                <a:latin typeface="Source Sans Pro"/>
+              </a:rPr>
+              <a:t>unsichtbar</a:t>
+            </a:r>
+          </a:p>
+          <a:p>
+            <a:r>
+              <a:rPr lang="de-DE" dirty="0" smtClean="0">
+                <a:latin typeface="Source Sans Pro"/>
+              </a:rPr>
+              <a:t>-tödlich im </a:t>
+            </a:r>
+            <a:r>
+              <a:rPr lang="de-DE" dirty="0" smtClean="0">
+                <a:latin typeface="Source Sans Pro"/>
+              </a:rPr>
+              <a:t>Nahkampf</a:t>
+            </a:r>
+            <a:endParaRPr lang="de-DE" dirty="0"/>
+          </a:p>
+        </p:txBody>
+      </p:sp>
+      <p:sp>
+        <p:nvSpPr>
+          <p:cNvPr id="15" name="Textfeld 14"/>
+          <p:cNvSpPr txBox="1"/>
+          <p:nvPr/>
+        </p:nvSpPr>
+        <p:spPr>
+          <a:xfrm>
+            <a:off x="5652135" y="548344"/>
+            <a:ext cx="2880361" cy="923330"/>
+          </a:xfrm>
+          <a:prstGeom prst="rect">
+            <a:avLst/>
+          </a:prstGeom>
+        </p:spPr>
+        <p:style>
+          <a:lnRef idx="3">
+            <a:schemeClr val="lt1"/>
+          </a:lnRef>
+          <a:fillRef idx="1">
+            <a:schemeClr val="accent4"/>
+          </a:fillRef>
+          <a:effectRef idx="1">
+            <a:schemeClr val="accent4"/>
+          </a:effectRef>
+          <a:fontRef idx="minor">
+            <a:schemeClr val="lt1"/>
+          </a:fontRef>
+        </p:style>
+        <p:txBody>
+          <a:bodyPr wrap="square" rtlCol="0">
+            <a:spAutoFit/>
+          </a:bodyPr>
+          <a:lstStyle/>
+          <a:p>
+            <a:r>
+              <a:rPr lang="de-DE" dirty="0" err="1" smtClean="0">
+                <a:latin typeface="Source Sans Pro"/>
+              </a:rPr>
+              <a:t>Yakuza</a:t>
+            </a:r>
+            <a:endParaRPr lang="de-DE" dirty="0" smtClean="0">
+              <a:latin typeface="Source Sans Pro"/>
+            </a:endParaRPr>
+          </a:p>
+          <a:p>
+            <a:r>
+              <a:rPr lang="de-DE" dirty="0" smtClean="0">
+                <a:latin typeface="Source Sans Pro"/>
+              </a:rPr>
+              <a:t>-hält </a:t>
+            </a:r>
+            <a:r>
+              <a:rPr lang="de-DE" dirty="0" smtClean="0">
+                <a:latin typeface="Source Sans Pro"/>
+              </a:rPr>
+              <a:t>max. Waffenabstand</a:t>
+            </a:r>
+          </a:p>
+          <a:p>
+            <a:r>
+              <a:rPr lang="de-DE" dirty="0" smtClean="0">
+                <a:latin typeface="Source Sans Pro"/>
+              </a:rPr>
+              <a:t>-horizontal/vertikal </a:t>
+            </a:r>
+            <a:r>
+              <a:rPr lang="de-DE" dirty="0" smtClean="0">
+                <a:latin typeface="Source Sans Pro"/>
+              </a:rPr>
+              <a:t>zum @</a:t>
+            </a:r>
+            <a:endParaRPr lang="de-DE" dirty="0"/>
+          </a:p>
+        </p:txBody>
+      </p:sp>
+      <p:sp>
+        <p:nvSpPr>
+          <p:cNvPr id="16" name="Textfeld 15"/>
+          <p:cNvSpPr txBox="1"/>
+          <p:nvPr/>
+        </p:nvSpPr>
+        <p:spPr>
+          <a:xfrm>
+            <a:off x="5652135" y="1600629"/>
+            <a:ext cx="2880361" cy="923330"/>
+          </a:xfrm>
+          <a:prstGeom prst="rect">
+            <a:avLst/>
+          </a:prstGeom>
+        </p:spPr>
+        <p:style>
+          <a:lnRef idx="3">
+            <a:schemeClr val="lt1"/>
+          </a:lnRef>
+          <a:fillRef idx="1">
+            <a:schemeClr val="accent4"/>
+          </a:fillRef>
+          <a:effectRef idx="1">
+            <a:schemeClr val="accent4"/>
+          </a:effectRef>
+          <a:fontRef idx="minor">
+            <a:schemeClr val="lt1"/>
+          </a:fontRef>
+        </p:style>
+        <p:txBody>
+          <a:bodyPr wrap="square" rtlCol="0">
+            <a:spAutoFit/>
+          </a:bodyPr>
+          <a:lstStyle/>
+          <a:p>
+            <a:r>
+              <a:rPr lang="de-DE" dirty="0" smtClean="0">
+                <a:latin typeface="Source Sans Pro"/>
+              </a:rPr>
+              <a:t>Exsoldat</a:t>
+            </a:r>
+          </a:p>
+          <a:p>
+            <a:r>
+              <a:rPr lang="de-DE" dirty="0">
+                <a:latin typeface="Source Sans Pro"/>
+              </a:rPr>
+              <a:t>-hält max. </a:t>
+            </a:r>
+            <a:r>
+              <a:rPr lang="de-DE" dirty="0" smtClean="0">
+                <a:latin typeface="Source Sans Pro"/>
+              </a:rPr>
+              <a:t>Waffenabstand</a:t>
+            </a:r>
+          </a:p>
+          <a:p>
+            <a:r>
+              <a:rPr lang="de-DE" dirty="0" smtClean="0">
+                <a:latin typeface="Source Sans Pro"/>
+              </a:rPr>
+              <a:t>-stellt sich schräg zum @</a:t>
+            </a:r>
+            <a:endParaRPr lang="de-DE" dirty="0">
+              <a:latin typeface="Source Sans Pro"/>
+            </a:endParaRPr>
+          </a:p>
+        </p:txBody>
+      </p:sp>
+      <p:sp>
+        <p:nvSpPr>
+          <p:cNvPr id="18" name="Textfeld 17"/>
+          <p:cNvSpPr txBox="1"/>
+          <p:nvPr/>
+        </p:nvSpPr>
+        <p:spPr>
+          <a:xfrm>
+            <a:off x="5652136" y="2703818"/>
+            <a:ext cx="2880360" cy="2308324"/>
+          </a:xfrm>
+          <a:prstGeom prst="rect">
+            <a:avLst/>
+          </a:prstGeom>
+        </p:spPr>
+        <p:style>
+          <a:lnRef idx="3">
+            <a:schemeClr val="lt1"/>
+          </a:lnRef>
+          <a:fillRef idx="1">
+            <a:schemeClr val="accent4"/>
+          </a:fillRef>
+          <a:effectRef idx="1">
+            <a:schemeClr val="accent4"/>
+          </a:effectRef>
+          <a:fontRef idx="minor">
+            <a:schemeClr val="lt1"/>
+          </a:fontRef>
+        </p:style>
+        <p:txBody>
+          <a:bodyPr wrap="square" rtlCol="0">
+            <a:spAutoFit/>
+          </a:bodyPr>
+          <a:lstStyle/>
+          <a:p>
+            <a:r>
+              <a:rPr lang="de-DE" dirty="0" smtClean="0">
+                <a:latin typeface="Source Sans Pro"/>
+              </a:rPr>
+              <a:t>Verrücktes Trio</a:t>
+            </a:r>
+          </a:p>
+          <a:p>
+            <a:r>
+              <a:rPr lang="de-DE" dirty="0" smtClean="0">
+                <a:latin typeface="Source Sans Pro"/>
+              </a:rPr>
+              <a:t>I</a:t>
+            </a:r>
+            <a:r>
+              <a:rPr lang="de-DE" dirty="0">
+                <a:latin typeface="Source Sans Pro"/>
+              </a:rPr>
+              <a:t> </a:t>
+            </a:r>
+            <a:r>
+              <a:rPr lang="de-DE" smtClean="0">
+                <a:latin typeface="Source Sans Pro"/>
+              </a:rPr>
+              <a:t>=</a:t>
+            </a:r>
+            <a:r>
+              <a:rPr lang="de-DE" smtClean="0">
+                <a:latin typeface="Source Sans Pro"/>
+              </a:rPr>
+              <a:t> Irrer</a:t>
+            </a:r>
+          </a:p>
+          <a:p>
+            <a:r>
+              <a:rPr lang="de-DE" dirty="0" smtClean="0">
+                <a:latin typeface="Source Sans Pro"/>
+              </a:rPr>
+              <a:t>W</a:t>
+            </a:r>
+            <a:r>
+              <a:rPr lang="de-DE" dirty="0" smtClean="0">
+                <a:latin typeface="Source Sans Pro"/>
+              </a:rPr>
+              <a:t> =</a:t>
+            </a:r>
+            <a:r>
+              <a:rPr lang="de-DE" dirty="0" smtClean="0">
+                <a:latin typeface="Source Sans Pro"/>
+              </a:rPr>
+              <a:t> Wahnsinniger</a:t>
+            </a:r>
+            <a:endParaRPr lang="de-DE" dirty="0" smtClean="0">
+              <a:latin typeface="Source Sans Pro"/>
+            </a:endParaRPr>
+          </a:p>
+          <a:p>
+            <a:r>
+              <a:rPr lang="de-DE" dirty="0" smtClean="0">
+                <a:latin typeface="Source Sans Pro"/>
+              </a:rPr>
+              <a:t>Ï = </a:t>
+            </a:r>
+            <a:r>
+              <a:rPr lang="de-DE" dirty="0" smtClean="0">
+                <a:latin typeface="Source Sans Pro"/>
+              </a:rPr>
+              <a:t>Verrückter Iwan</a:t>
+            </a:r>
+          </a:p>
+          <a:p>
+            <a:r>
+              <a:rPr lang="de-DE" dirty="0" smtClean="0">
+                <a:latin typeface="Source Sans Pro"/>
+              </a:rPr>
+              <a:t>-bewegen sich wie Junkies</a:t>
+            </a:r>
+          </a:p>
+          <a:p>
+            <a:r>
+              <a:rPr lang="de-DE" dirty="0" smtClean="0">
+                <a:latin typeface="Source Sans Pro"/>
+              </a:rPr>
+              <a:t>-reden wirres Zeug</a:t>
+            </a:r>
+          </a:p>
+          <a:p>
+            <a:r>
+              <a:rPr lang="de-DE" dirty="0" smtClean="0">
+                <a:latin typeface="Source Sans Pro"/>
+              </a:rPr>
+              <a:t>-spielen </a:t>
+            </a:r>
+            <a:r>
+              <a:rPr lang="de-DE" dirty="0" smtClean="0">
+                <a:latin typeface="Source Sans Pro"/>
+              </a:rPr>
+              <a:t>mit Sprengstoff</a:t>
+            </a:r>
+            <a:endParaRPr lang="de-DE" dirty="0">
+              <a:latin typeface="Source Sans Pro"/>
             </a:endParaRPr>
           </a:p>
         </p:txBody>
@@ -6312,10 +7051,6 @@
               </a:rPr>
               <a:t>refferwahrscheinlichkeit</a:t>
             </a:r>
-            <a:endParaRPr lang="de-DE" dirty="0" smtClean="0">
-              <a:latin typeface="Source Sans Pro"/>
-              <a:cs typeface="Source Sans Pro"/>
-            </a:endParaRPr>
           </a:p>
         </p:txBody>
       </p:sp>
@@ -6510,14 +7245,7 @@
                 <a:latin typeface="Source Sans Pro"/>
                 <a:cs typeface="Source Sans Pro"/>
               </a:rPr>
-              <a:t>Dank YAML sehr einfach </a:t>
-            </a:r>
-            <a:r>
-              <a:rPr lang="de-DE" dirty="0" smtClean="0">
-                <a:latin typeface="Source Sans Pro"/>
-                <a:cs typeface="Source Sans Pro"/>
-              </a:rPr>
-              <a:t>erweiterbar</a:t>
+              <a:t>Dank YAML sehr einfach erweiterbar</a:t>
             </a:r>
             <a:endParaRPr lang="de-DE" dirty="0">
               <a:latin typeface="Source Sans Pro"/>
@@ -6908,35 +7636,7 @@
                 <a:latin typeface="Source Sans Pro"/>
                 <a:cs typeface="Source Sans Pro"/>
               </a:rPr>
-              <a:t>Waffen und Monster </a:t>
-            </a:r>
-            <a:r>
-              <a:rPr lang="de-DE" dirty="0" smtClean="0">
-                <a:latin typeface="Source Sans Pro"/>
-                <a:cs typeface="Source Sans Pro"/>
-              </a:rPr>
-              <a:t>k</a:t>
-            </a:r>
-            <a:r>
-              <a:rPr lang="de-DE" dirty="0" smtClean="0">
-                <a:latin typeface="Source Sans Pro"/>
-                <a:cs typeface="Source Sans Pro"/>
-              </a:rPr>
-              <a:t>önnen </a:t>
-            </a:r>
-            <a:r>
-              <a:rPr lang="de-DE" dirty="0" smtClean="0">
-                <a:latin typeface="Source Sans Pro"/>
-                <a:cs typeface="Source Sans Pro"/>
-              </a:rPr>
-              <a:t>in </a:t>
-            </a:r>
-            <a:r>
-              <a:rPr lang="de-DE" dirty="0" smtClean="0">
-                <a:latin typeface="Source Sans Pro"/>
-                <a:cs typeface="Source Sans Pro"/>
-              </a:rPr>
-              <a:t>YAML Dateien gespeichert werden</a:t>
+              <a:t>Waffen und Monster können in YAML Dateien gespeichert werden</a:t>
             </a:r>
             <a:endParaRPr lang="de-DE" dirty="0">
               <a:latin typeface="Source Sans Pro"/>
@@ -6989,14 +7689,7 @@
                 <a:latin typeface="Source Sans Pro"/>
                 <a:cs typeface="Source Sans Pro"/>
               </a:rPr>
-              <a:t>Fast alle Häuser </a:t>
-            </a:r>
-            <a:r>
-              <a:rPr lang="de-DE" dirty="0" smtClean="0">
-                <a:latin typeface="Source Sans Pro"/>
-                <a:cs typeface="Source Sans Pro"/>
-              </a:rPr>
-              <a:t>sind begehbar.</a:t>
+              <a:t>Fast alle Häuser sind begehbar.</a:t>
             </a:r>
             <a:endParaRPr lang="de-DE" dirty="0">
               <a:latin typeface="Source Sans Pro"/>
@@ -7046,21 +7739,7 @@
                 <a:latin typeface="Source Sans Pro"/>
                 <a:cs typeface="Source Sans Pro"/>
               </a:rPr>
-              <a:t>Die Story </a:t>
-            </a:r>
-            <a:r>
-              <a:rPr lang="de-DE" dirty="0" smtClean="0">
-                <a:latin typeface="Source Sans Pro"/>
-                <a:cs typeface="Source Sans Pro"/>
-              </a:rPr>
-              <a:t>ist </a:t>
-            </a:r>
-            <a:r>
-              <a:rPr lang="de-DE" dirty="0" smtClean="0">
-                <a:latin typeface="Source Sans Pro"/>
-                <a:cs typeface="Source Sans Pro"/>
-              </a:rPr>
-              <a:t>noch nicht vorhanden</a:t>
+              <a:t>Die Story ist noch nicht vorhanden</a:t>
             </a:r>
             <a:endParaRPr lang="de-DE" dirty="0">
               <a:latin typeface="Source Sans Pro"/>

--- a/files/endpraesentation.pptx
+++ b/files/endpraesentation.pptx
@@ -344,7 +344,7 @@
             <a:fld id="{3F150D65-C64D-44FB-9152-4CC2DE0C9198}" type="datetime1">
               <a:rPr lang="en-US" smtClean="0"/>
               <a:pPr/>
-              <a:t>21.03.13</a:t>
+              <a:t>22.03.13</a:t>
             </a:fld>
             <a:endParaRPr lang="en-US"/>
           </a:p>
@@ -559,7 +559,7 @@
             <a:fld id="{42635EB0-D091-417E-ACD5-D65E1C7D8524}" type="datetime1">
               <a:rPr lang="en-US" smtClean="0"/>
               <a:pPr/>
-              <a:t>21.03.13</a:t>
+              <a:t>22.03.13</a:t>
             </a:fld>
             <a:endParaRPr lang="en-US"/>
           </a:p>
@@ -736,7 +736,7 @@
             <a:fld id="{7FCA09F9-C7D6-4C52-A7E8-5101239A0BA2}" type="datetime1">
               <a:rPr lang="en-US" smtClean="0"/>
               <a:pPr/>
-              <a:t>21.03.13</a:t>
+              <a:t>22.03.13</a:t>
             </a:fld>
             <a:endParaRPr lang="en-US"/>
           </a:p>
@@ -903,7 +903,7 @@
             <a:fld id="{0FFE64A4-35FB-42B6-9183-2C0CE0E36649}" type="datetime1">
               <a:rPr lang="en-US" smtClean="0"/>
               <a:pPr/>
-              <a:t>21.03.13</a:t>
+              <a:t>22.03.13</a:t>
             </a:fld>
             <a:endParaRPr lang="en-US"/>
           </a:p>
@@ -1189,7 +1189,7 @@
             <a:fld id="{2A2683B9-6ECA-47FA-93CF-B124A0FAC208}" type="datetime1">
               <a:rPr lang="en-US" smtClean="0"/>
               <a:pPr/>
-              <a:t>21.03.13</a:t>
+              <a:t>22.03.13</a:t>
             </a:fld>
             <a:endParaRPr lang="en-US"/>
           </a:p>
@@ -1517,7 +1517,7 @@
             <a:fld id="{305FF66B-9476-4BB3-85E9-E01854F07F90}" type="datetime1">
               <a:rPr lang="en-US" smtClean="0"/>
               <a:pPr/>
-              <a:t>21.03.13</a:t>
+              <a:t>22.03.13</a:t>
             </a:fld>
             <a:endParaRPr lang="en-US"/>
           </a:p>
@@ -1944,7 +1944,7 @@
             <a:fld id="{56B23FBD-8F7D-4F85-8085-67BFDB05CB71}" type="datetime1">
               <a:rPr lang="en-US" smtClean="0"/>
               <a:pPr/>
-              <a:t>21.03.13</a:t>
+              <a:t>22.03.13</a:t>
             </a:fld>
             <a:endParaRPr lang="en-US"/>
           </a:p>
@@ -2119,7 +2119,7 @@
             <a:fld id="{465D789A-1220-4441-8676-44A034051BFD}" type="datetime1">
               <a:rPr lang="en-US" smtClean="0"/>
               <a:pPr/>
-              <a:t>21.03.13</a:t>
+              <a:t>22.03.13</a:t>
             </a:fld>
             <a:endParaRPr lang="en-US"/>
           </a:p>
@@ -2211,7 +2211,7 @@
             <a:fld id="{EF98A266-E364-4B5E-98DD-432668182E1E}" type="datetime1">
               <a:rPr lang="en-US" smtClean="0"/>
               <a:pPr/>
-              <a:t>21.03.13</a:t>
+              <a:t>22.03.13</a:t>
             </a:fld>
             <a:endParaRPr lang="en-US"/>
           </a:p>
@@ -2493,7 +2493,7 @@
             <a:fld id="{493F2040-9975-4642-A906-1DF87F8BE202}" type="datetime1">
               <a:rPr lang="en-US" smtClean="0"/>
               <a:pPr/>
-              <a:t>21.03.13</a:t>
+              <a:t>22.03.13</a:t>
             </a:fld>
             <a:endParaRPr lang="en-US"/>
           </a:p>
@@ -2794,7 +2794,7 @@
             <a:fld id="{51E52B4A-BA08-4841-AB08-A0D822ABC34D}" type="datetime1">
               <a:rPr lang="en-US" smtClean="0"/>
               <a:pPr/>
-              <a:t>21.03.13</a:t>
+              <a:t>22.03.13</a:t>
             </a:fld>
             <a:endParaRPr lang="en-US"/>
           </a:p>
@@ -3006,7 +3006,7 @@
             <a:fld id="{75D48070-6A81-47D0-9810-1540B9FEFF61}" type="datetime1">
               <a:rPr lang="en-US" smtClean="0"/>
               <a:pPr/>
-              <a:t>21.03.13</a:t>
+              <a:t>22.03.13</a:t>
             </a:fld>
             <a:endParaRPr lang="en-US"/>
           </a:p>
@@ -3682,17 +3682,7 @@
                 <a:latin typeface="Source Code Pro"/>
                 <a:cs typeface="Source Code Pro"/>
               </a:rPr>
-              <a:t> .</a:t>
-            </a:r>
-            <a:r>
-              <a:rPr lang="fr-FR" sz="1200" dirty="0" smtClean="0">
-                <a:solidFill>
-                  <a:schemeClr val="bg1"/>
-                </a:solidFill>
-                <a:latin typeface="Source Code Pro"/>
-                <a:cs typeface="Source Code Pro"/>
-              </a:rPr>
-              <a:t>______.          </a:t>
+              <a:t> .______.          </a:t>
             </a:r>
             <a:endParaRPr lang="fr-FR" sz="1200" dirty="0">
               <a:solidFill>
@@ -3777,17 +3767,7 @@
                 <a:latin typeface="Source Code Pro"/>
                 <a:cs typeface="Source Code Pro"/>
               </a:rPr>
-              <a:t>|’’||’’|</a:t>
-            </a:r>
-            <a:r>
-              <a:rPr lang="fr-FR" sz="1200" dirty="0" smtClean="0">
-                <a:solidFill>
-                  <a:schemeClr val="bg1"/>
-                </a:solidFill>
-                <a:latin typeface="Source Code Pro"/>
-                <a:cs typeface="Source Code Pro"/>
-              </a:rPr>
-              <a:t>_.</a:t>
+              <a:t>|’’||’’|_.</a:t>
             </a:r>
             <a:r>
               <a:rPr lang="fr-FR" sz="1200" dirty="0">
@@ -4978,14 +4958,7 @@
                 <a:latin typeface="Source Sans Pro"/>
                 <a:cs typeface="Source Sans Pro"/>
               </a:rPr>
-              <a:t>Namenloser Held ohne Erinnerung</a:t>
-            </a:r>
-            <a:r>
-              <a:rPr lang="de-DE" dirty="0" smtClean="0">
-                <a:latin typeface="Source Sans Pro"/>
-                <a:cs typeface="Source Sans Pro"/>
-              </a:rPr>
-              <a:t>.</a:t>
+              <a:t>Namenloser Held ohne Erinnerung.</a:t>
             </a:r>
             <a:endParaRPr lang="de-DE" dirty="0">
               <a:latin typeface="Source Sans Pro"/>
@@ -5035,21 +5008,7 @@
                 <a:latin typeface="Source Sans Pro"/>
                 <a:cs typeface="Source Sans Pro"/>
               </a:rPr>
-              <a:t>Aktuell k</a:t>
-            </a:r>
-            <a:r>
-              <a:rPr lang="de-DE" dirty="0" smtClean="0">
-                <a:latin typeface="Source Sans Pro"/>
-                <a:cs typeface="Source Sans Pro"/>
-              </a:rPr>
-              <a:t>ämpft unser Held ums nackte </a:t>
-            </a:r>
-            <a:r>
-              <a:rPr lang="de-DE" dirty="0" smtClean="0">
-                <a:latin typeface="Source Sans Pro"/>
-                <a:cs typeface="Source Sans Pro"/>
-              </a:rPr>
-              <a:t>Überleben. </a:t>
+              <a:t>Aktuell kämpft unser Held ums nackte Überleben. </a:t>
             </a:r>
             <a:endParaRPr lang="de-DE" dirty="0">
               <a:latin typeface="Source Sans Pro"/>
@@ -5216,14 +5175,7 @@
                 <a:latin typeface="Source Sans Pro"/>
                 <a:cs typeface="Source Sans Pro"/>
               </a:rPr>
-              <a:t>Die Handlung geht noch nicht </a:t>
-            </a:r>
-            <a:r>
-              <a:rPr lang="de-DE" dirty="0" smtClean="0">
-                <a:latin typeface="Source Sans Pro"/>
-                <a:cs typeface="Source Sans Pro"/>
-              </a:rPr>
-              <a:t>über Hintergrundinformationen hinaus</a:t>
+              <a:t>Die Handlung geht noch nicht über Hintergrundinformationen hinaus</a:t>
             </a:r>
             <a:endParaRPr lang="de-DE" dirty="0">
               <a:latin typeface="Source Sans Pro"/>
@@ -5469,14 +5421,7 @@
                 <a:latin typeface="Source Sans Pro"/>
                 <a:cs typeface="Source Sans Pro"/>
               </a:rPr>
-              <a:t>sind </a:t>
-            </a:r>
-            <a:r>
-              <a:rPr lang="de-DE" dirty="0" smtClean="0">
-                <a:latin typeface="Source Sans Pro"/>
-                <a:cs typeface="Source Sans Pro"/>
-              </a:rPr>
-              <a:t>Gegner</a:t>
+              <a:t>sind Gegner</a:t>
             </a:r>
             <a:endParaRPr lang="de-DE" dirty="0">
               <a:latin typeface="Source Sans Pro"/>
@@ -5529,7 +5474,7 @@
                 <a:latin typeface="Source Code Pro"/>
                 <a:cs typeface="Source Code Pro"/>
               </a:rPr>
-              <a:t>[]</a:t>
+              <a:t>[ ]</a:t>
             </a:r>
             <a:r>
               <a:rPr lang="de-DE" dirty="0" smtClean="0">
@@ -5546,14 +5491,7 @@
                 <a:latin typeface="Source Sans Pro"/>
                 <a:cs typeface="Source Sans Pro"/>
               </a:rPr>
-              <a:t>ist eine T</a:t>
-            </a:r>
-            <a:r>
-              <a:rPr lang="de-DE" dirty="0" smtClean="0">
-                <a:latin typeface="Source Sans Pro"/>
-                <a:cs typeface="Source Sans Pro"/>
-              </a:rPr>
-              <a:t>ür die natürlich auch betreten werden kann</a:t>
+              <a:t>ist eine Tür die natürlich auch betreten werden kann</a:t>
             </a:r>
             <a:endParaRPr lang="de-DE" dirty="0">
               <a:latin typeface="Source Sans Pro"/>
@@ -5745,17 +5683,7 @@
                 <a:latin typeface="Source Sans Pro"/>
                 <a:cs typeface="Source Sans Pro"/>
               </a:rPr>
-              <a:t> repräsentieren</a:t>
-            </a:r>
-            <a:r>
-              <a:rPr lang="de-DE" dirty="0" smtClean="0">
-                <a:solidFill>
-                  <a:schemeClr val="bg1"/>
-                </a:solidFill>
-                <a:latin typeface="Source Sans Pro"/>
-                <a:cs typeface="Source Sans Pro"/>
-              </a:rPr>
-              <a:t> Richtungen</a:t>
+              <a:t> repräsentieren Richtungen</a:t>
             </a:r>
             <a:endParaRPr lang="de-DE" dirty="0">
               <a:solidFill>
@@ -5824,17 +5752,7 @@
                 <a:latin typeface="Source Sans Pro"/>
                 <a:cs typeface="Source Sans Pro"/>
               </a:rPr>
-              <a:t> </a:t>
-            </a:r>
-            <a:r>
-              <a:rPr lang="de-DE" dirty="0" smtClean="0">
-                <a:solidFill>
-                  <a:schemeClr val="bg1"/>
-                </a:solidFill>
-                <a:latin typeface="Source Sans Pro"/>
-                <a:cs typeface="Source Sans Pro"/>
-              </a:rPr>
-              <a:t>zum Schießen</a:t>
+              <a:t> zum Schießen</a:t>
             </a:r>
             <a:endParaRPr lang="de-DE" dirty="0">
               <a:solidFill>
@@ -5972,17 +5890,7 @@
                 <a:latin typeface="Source Sans Pro"/>
                 <a:cs typeface="Source Sans Pro"/>
               </a:rPr>
-              <a:t> </a:t>
-            </a:r>
-            <a:r>
-              <a:rPr lang="de-DE" dirty="0" smtClean="0">
-                <a:solidFill>
-                  <a:schemeClr val="bg1"/>
-                </a:solidFill>
-                <a:latin typeface="Source Sans Pro"/>
-                <a:cs typeface="Source Sans Pro"/>
-              </a:rPr>
-              <a:t>öffnet das Inventar</a:t>
+              <a:t> öffnet das Inventar</a:t>
             </a:r>
             <a:endParaRPr lang="de-DE" dirty="0">
               <a:solidFill>
@@ -6051,17 +5959,7 @@
                 <a:latin typeface="Source Sans Pro"/>
                 <a:cs typeface="Source Sans Pro"/>
               </a:rPr>
-              <a:t> f</a:t>
-            </a:r>
-            <a:r>
-              <a:rPr lang="de-DE" dirty="0" smtClean="0">
-                <a:solidFill>
-                  <a:schemeClr val="bg1"/>
-                </a:solidFill>
-                <a:latin typeface="Source Sans Pro"/>
-                <a:cs typeface="Source Sans Pro"/>
-              </a:rPr>
-              <a:t>ür Interaktion mit Personen</a:t>
+              <a:t> für Interaktion mit Personen</a:t>
             </a:r>
             <a:endParaRPr lang="de-DE" dirty="0">
               <a:solidFill>
@@ -6130,18 +6028,766 @@
                 <a:latin typeface="Source Sans Pro"/>
                 <a:cs typeface="Source Sans Pro"/>
               </a:rPr>
-              <a:t>Die Gegner</a:t>
-            </a:r>
-            <a:r>
-              <a:rPr lang="de-DE" sz="2800" dirty="0" smtClean="0">
-                <a:latin typeface="Source Sans Pro"/>
-                <a:cs typeface="Source Sans Pro"/>
-              </a:rPr>
-              <a:t>.</a:t>
+              <a:t>Die Gegner.</a:t>
             </a:r>
             <a:endParaRPr lang="de-DE" sz="2800" dirty="0">
               <a:latin typeface="Source Sans Pro"/>
               <a:cs typeface="Source Sans Pro"/>
+            </a:endParaRPr>
+          </a:p>
+        </p:txBody>
+      </p:sp>
+      <p:pic>
+        <p:nvPicPr>
+          <p:cNvPr id="1026" name="Picture 2" descr="C:\Users\Pascal Triebsch\Desktop\Neuer Ordner (3)\Dealer.bmp"/>
+          <p:cNvPicPr>
+            <a:picLocks noChangeAspect="1" noChangeArrowheads="1"/>
+          </p:cNvPicPr>
+          <p:nvPr/>
+        </p:nvPicPr>
+        <p:blipFill>
+          <a:blip r:embed="rId2">
+            <a:extLst>
+              <a:ext uri="{28A0092B-C50C-407E-A947-70E740481C1C}">
+                <a14:useLocalDpi xmlns:a14="http://schemas.microsoft.com/office/drawing/2010/main" val="0"/>
+              </a:ext>
+            </a:extLst>
+          </a:blip>
+          <a:srcRect/>
+          <a:stretch>
+            <a:fillRect/>
+          </a:stretch>
+        </p:blipFill>
+        <p:spPr bwMode="auto">
+          <a:xfrm>
+            <a:off x="790687" y="2177757"/>
+            <a:ext cx="398621" cy="770667"/>
+          </a:xfrm>
+          <a:prstGeom prst="rect">
+            <a:avLst/>
+          </a:prstGeom>
+          <a:noFill/>
+          <a:extLst>
+            <a:ext uri="{909E8E84-426E-40dd-AFC4-6F175D3DCCD1}">
+              <a14:hiddenFill xmlns:a14="http://schemas.microsoft.com/office/drawing/2010/main">
+                <a:solidFill>
+                  <a:srgbClr val="FFFFFF"/>
+                </a:solidFill>
+              </a14:hiddenFill>
+            </a:ext>
+          </a:extLst>
+        </p:spPr>
+      </p:pic>
+      <p:pic>
+        <p:nvPicPr>
+          <p:cNvPr id="1027" name="Picture 3" descr="C:\Users\Pascal Triebsch\Desktop\Neuer Ordner (3)\Exsoldat.bmp"/>
+          <p:cNvPicPr>
+            <a:picLocks noChangeAspect="1" noChangeArrowheads="1"/>
+          </p:cNvPicPr>
+          <p:nvPr/>
+        </p:nvPicPr>
+        <p:blipFill>
+          <a:blip r:embed="rId3">
+            <a:extLst>
+              <a:ext uri="{28A0092B-C50C-407E-A947-70E740481C1C}">
+                <a14:useLocalDpi xmlns:a14="http://schemas.microsoft.com/office/drawing/2010/main" val="0"/>
+              </a:ext>
+            </a:extLst>
+          </a:blip>
+          <a:srcRect/>
+          <a:stretch>
+            <a:fillRect/>
+          </a:stretch>
+        </p:blipFill>
+        <p:spPr bwMode="auto">
+          <a:xfrm>
+            <a:off x="4692538" y="2177756"/>
+            <a:ext cx="387742" cy="720091"/>
+          </a:xfrm>
+          <a:prstGeom prst="rect">
+            <a:avLst/>
+          </a:prstGeom>
+          <a:noFill/>
+          <a:extLst>
+            <a:ext uri="{909E8E84-426E-40dd-AFC4-6F175D3DCCD1}">
+              <a14:hiddenFill xmlns:a14="http://schemas.microsoft.com/office/drawing/2010/main">
+                <a:solidFill>
+                  <a:srgbClr val="FFFFFF"/>
+                </a:solidFill>
+              </a14:hiddenFill>
+            </a:ext>
+          </a:extLst>
+        </p:spPr>
+      </p:pic>
+      <p:pic>
+        <p:nvPicPr>
+          <p:cNvPr id="1028" name="Picture 4" descr="C:\Users\Pascal Triebsch\Desktop\Neuer Ordner (3)\Junkie.bmp"/>
+          <p:cNvPicPr>
+            <a:picLocks noChangeAspect="1" noChangeArrowheads="1"/>
+          </p:cNvPicPr>
+          <p:nvPr/>
+        </p:nvPicPr>
+        <p:blipFill>
+          <a:blip r:embed="rId4">
+            <a:extLst>
+              <a:ext uri="{28A0092B-C50C-407E-A947-70E740481C1C}">
+                <a14:useLocalDpi xmlns:a14="http://schemas.microsoft.com/office/drawing/2010/main" val="0"/>
+              </a:ext>
+            </a:extLst>
+          </a:blip>
+          <a:srcRect/>
+          <a:stretch>
+            <a:fillRect/>
+          </a:stretch>
+        </p:blipFill>
+        <p:spPr bwMode="auto">
+          <a:xfrm>
+            <a:off x="790687" y="1125768"/>
+            <a:ext cx="398621" cy="720090"/>
+          </a:xfrm>
+          <a:prstGeom prst="rect">
+            <a:avLst/>
+          </a:prstGeom>
+          <a:noFill/>
+          <a:extLst>
+            <a:ext uri="{909E8E84-426E-40dd-AFC4-6F175D3DCCD1}">
+              <a14:hiddenFill xmlns:a14="http://schemas.microsoft.com/office/drawing/2010/main">
+                <a:solidFill>
+                  <a:srgbClr val="FFFFFF"/>
+                </a:solidFill>
+              </a14:hiddenFill>
+            </a:ext>
+          </a:extLst>
+        </p:spPr>
+      </p:pic>
+      <p:pic>
+        <p:nvPicPr>
+          <p:cNvPr id="1029" name="Picture 5" descr="C:\Users\Pascal Triebsch\Desktop\Neuer Ordner (3)\Katze.bmp"/>
+          <p:cNvPicPr>
+            <a:picLocks noChangeAspect="1" noChangeArrowheads="1"/>
+          </p:cNvPicPr>
+          <p:nvPr/>
+        </p:nvPicPr>
+        <p:blipFill>
+          <a:blip r:embed="rId5">
+            <a:extLst>
+              <a:ext uri="{28A0092B-C50C-407E-A947-70E740481C1C}">
+                <a14:useLocalDpi xmlns:a14="http://schemas.microsoft.com/office/drawing/2010/main" val="0"/>
+              </a:ext>
+            </a:extLst>
+          </a:blip>
+          <a:srcRect/>
+          <a:stretch>
+            <a:fillRect/>
+          </a:stretch>
+        </p:blipFill>
+        <p:spPr bwMode="auto">
+          <a:xfrm>
+            <a:off x="790686" y="3267940"/>
+            <a:ext cx="398621" cy="734957"/>
+          </a:xfrm>
+          <a:prstGeom prst="rect">
+            <a:avLst/>
+          </a:prstGeom>
+          <a:noFill/>
+          <a:extLst>
+            <a:ext uri="{909E8E84-426E-40dd-AFC4-6F175D3DCCD1}">
+              <a14:hiddenFill xmlns:a14="http://schemas.microsoft.com/office/drawing/2010/main">
+                <a:solidFill>
+                  <a:srgbClr val="FFFFFF"/>
+                </a:solidFill>
+              </a14:hiddenFill>
+            </a:ext>
+          </a:extLst>
+        </p:spPr>
+      </p:pic>
+      <p:pic>
+        <p:nvPicPr>
+          <p:cNvPr id="1030" name="Picture 6" descr="C:\Users\Pascal Triebsch\Desktop\Neuer Ordner (3)\Ninja.bmp"/>
+          <p:cNvPicPr>
+            <a:picLocks noChangeAspect="1" noChangeArrowheads="1"/>
+          </p:cNvPicPr>
+          <p:nvPr/>
+        </p:nvPicPr>
+        <p:blipFill>
+          <a:blip r:embed="rId6">
+            <a:extLst>
+              <a:ext uri="{28A0092B-C50C-407E-A947-70E740481C1C}">
+                <a14:useLocalDpi xmlns:a14="http://schemas.microsoft.com/office/drawing/2010/main" val="0"/>
+              </a:ext>
+            </a:extLst>
+          </a:blip>
+          <a:srcRect/>
+          <a:stretch>
+            <a:fillRect/>
+          </a:stretch>
+        </p:blipFill>
+        <p:spPr bwMode="auto">
+          <a:xfrm>
+            <a:off x="802615" y="4366173"/>
+            <a:ext cx="386693" cy="720090"/>
+          </a:xfrm>
+          <a:prstGeom prst="rect">
+            <a:avLst/>
+          </a:prstGeom>
+          <a:noFill/>
+          <a:extLst>
+            <a:ext uri="{909E8E84-426E-40dd-AFC4-6F175D3DCCD1}">
+              <a14:hiddenFill xmlns:a14="http://schemas.microsoft.com/office/drawing/2010/main">
+                <a:solidFill>
+                  <a:srgbClr val="FFFFFF"/>
+                </a:solidFill>
+              </a14:hiddenFill>
+            </a:ext>
+          </a:extLst>
+        </p:spPr>
+      </p:pic>
+      <p:pic>
+        <p:nvPicPr>
+          <p:cNvPr id="1031" name="Picture 7" descr="C:\Users\Pascal Triebsch\Desktop\Neuer Ordner (3)\verrücktes trio.bmp"/>
+          <p:cNvPicPr>
+            <a:picLocks noChangeAspect="1" noChangeArrowheads="1"/>
+          </p:cNvPicPr>
+          <p:nvPr/>
+        </p:nvPicPr>
+        <p:blipFill>
+          <a:blip r:embed="rId7">
+            <a:extLst>
+              <a:ext uri="{28A0092B-C50C-407E-A947-70E740481C1C}">
+                <a14:useLocalDpi xmlns:a14="http://schemas.microsoft.com/office/drawing/2010/main" val="0"/>
+              </a:ext>
+            </a:extLst>
+          </a:blip>
+          <a:srcRect/>
+          <a:stretch>
+            <a:fillRect/>
+          </a:stretch>
+        </p:blipFill>
+        <p:spPr bwMode="auto">
+          <a:xfrm>
+            <a:off x="4692538" y="3267940"/>
+            <a:ext cx="387743" cy="748237"/>
+          </a:xfrm>
+          <a:prstGeom prst="rect">
+            <a:avLst/>
+          </a:prstGeom>
+          <a:noFill/>
+          <a:extLst>
+            <a:ext uri="{909E8E84-426E-40dd-AFC4-6F175D3DCCD1}">
+              <a14:hiddenFill xmlns:a14="http://schemas.microsoft.com/office/drawing/2010/main">
+                <a:solidFill>
+                  <a:srgbClr val="FFFFFF"/>
+                </a:solidFill>
+              </a14:hiddenFill>
+            </a:ext>
+          </a:extLst>
+        </p:spPr>
+      </p:pic>
+      <p:pic>
+        <p:nvPicPr>
+          <p:cNvPr id="1032" name="Picture 8" descr="C:\Users\Pascal Triebsch\Desktop\Neuer Ordner (3)\Yakuza.bmp"/>
+          <p:cNvPicPr>
+            <a:picLocks noChangeAspect="1" noChangeArrowheads="1"/>
+          </p:cNvPicPr>
+          <p:nvPr/>
+        </p:nvPicPr>
+        <p:blipFill>
+          <a:blip r:embed="rId8">
+            <a:extLst>
+              <a:ext uri="{28A0092B-C50C-407E-A947-70E740481C1C}">
+                <a14:useLocalDpi xmlns:a14="http://schemas.microsoft.com/office/drawing/2010/main" val="0"/>
+              </a:ext>
+            </a:extLst>
+          </a:blip>
+          <a:srcRect/>
+          <a:stretch>
+            <a:fillRect/>
+          </a:stretch>
+        </p:blipFill>
+        <p:spPr bwMode="auto">
+          <a:xfrm>
+            <a:off x="4873402" y="1050341"/>
+            <a:ext cx="387742" cy="797183"/>
+          </a:xfrm>
+          <a:prstGeom prst="rect">
+            <a:avLst/>
+          </a:prstGeom>
+          <a:noFill/>
+          <a:extLst>
+            <a:ext uri="{909E8E84-426E-40dd-AFC4-6F175D3DCCD1}">
+              <a14:hiddenFill xmlns:a14="http://schemas.microsoft.com/office/drawing/2010/main">
+                <a:solidFill>
+                  <a:srgbClr val="FFFFFF"/>
+                </a:solidFill>
+              </a14:hiddenFill>
+            </a:ext>
+          </a:extLst>
+        </p:spPr>
+      </p:pic>
+      <p:sp>
+        <p:nvSpPr>
+          <p:cNvPr id="4" name="Textfeld 3"/>
+          <p:cNvSpPr txBox="1"/>
+          <p:nvPr/>
+        </p:nvSpPr>
+        <p:spPr>
+          <a:xfrm>
+            <a:off x="1510776" y="1125768"/>
+            <a:ext cx="2880361" cy="646331"/>
+          </a:xfrm>
+          <a:prstGeom prst="rect">
+            <a:avLst/>
+          </a:prstGeom>
+        </p:spPr>
+        <p:style>
+          <a:lnRef idx="3">
+            <a:schemeClr val="lt1"/>
+          </a:lnRef>
+          <a:fillRef idx="1">
+            <a:schemeClr val="accent4"/>
+          </a:fillRef>
+          <a:effectRef idx="1">
+            <a:schemeClr val="accent4"/>
+          </a:effectRef>
+          <a:fontRef idx="minor">
+            <a:schemeClr val="lt1"/>
+          </a:fontRef>
+        </p:style>
+        <p:txBody>
+          <a:bodyPr wrap="square" rtlCol="0">
+            <a:spAutoFit/>
+          </a:bodyPr>
+          <a:lstStyle/>
+          <a:p>
+            <a:r>
+              <a:rPr lang="de-DE" dirty="0" smtClean="0">
+                <a:latin typeface="Source Sans Pro"/>
+              </a:rPr>
+              <a:t>Junkie</a:t>
+            </a:r>
+          </a:p>
+          <a:p>
+            <a:r>
+              <a:rPr lang="de-DE" dirty="0" smtClean="0">
+                <a:latin typeface="Source Sans Pro"/>
+              </a:rPr>
+              <a:t>-läuft vollgedröhnt umher</a:t>
+            </a:r>
+            <a:endParaRPr lang="de-DE" dirty="0"/>
+          </a:p>
+        </p:txBody>
+      </p:sp>
+      <p:sp>
+        <p:nvSpPr>
+          <p:cNvPr id="12" name="Textfeld 11"/>
+          <p:cNvSpPr txBox="1"/>
+          <p:nvPr/>
+        </p:nvSpPr>
+        <p:spPr>
+          <a:xfrm>
+            <a:off x="1463079" y="2177756"/>
+            <a:ext cx="2880361" cy="923330"/>
+          </a:xfrm>
+          <a:prstGeom prst="rect">
+            <a:avLst/>
+          </a:prstGeom>
+        </p:spPr>
+        <p:style>
+          <a:lnRef idx="3">
+            <a:schemeClr val="lt1"/>
+          </a:lnRef>
+          <a:fillRef idx="1">
+            <a:schemeClr val="accent4"/>
+          </a:fillRef>
+          <a:effectRef idx="1">
+            <a:schemeClr val="accent4"/>
+          </a:effectRef>
+          <a:fontRef idx="minor">
+            <a:schemeClr val="lt1"/>
+          </a:fontRef>
+        </p:style>
+        <p:txBody>
+          <a:bodyPr wrap="square" rtlCol="0">
+            <a:spAutoFit/>
+          </a:bodyPr>
+          <a:lstStyle/>
+          <a:p>
+            <a:r>
+              <a:rPr lang="de-DE" dirty="0" smtClean="0">
+                <a:latin typeface="Source Sans Pro"/>
+              </a:rPr>
+              <a:t>Dealer</a:t>
+            </a:r>
+          </a:p>
+          <a:p>
+            <a:r>
+              <a:rPr lang="de-DE" dirty="0" smtClean="0">
+                <a:latin typeface="Source Sans Pro"/>
+              </a:rPr>
+              <a:t>-nähert sich „schräg“</a:t>
+            </a:r>
+          </a:p>
+          <a:p>
+            <a:r>
+              <a:rPr lang="de-DE" dirty="0" smtClean="0">
+                <a:latin typeface="Source Sans Pro"/>
+              </a:rPr>
+              <a:t>-Angriff nach Monolog</a:t>
+            </a:r>
+            <a:endParaRPr lang="de-DE" dirty="0"/>
+          </a:p>
+        </p:txBody>
+      </p:sp>
+      <p:sp>
+        <p:nvSpPr>
+          <p:cNvPr id="13" name="Textfeld 12"/>
+          <p:cNvSpPr txBox="1"/>
+          <p:nvPr/>
+        </p:nvSpPr>
+        <p:spPr>
+          <a:xfrm>
+            <a:off x="1510777" y="3267643"/>
+            <a:ext cx="2880361" cy="923330"/>
+          </a:xfrm>
+          <a:prstGeom prst="rect">
+            <a:avLst/>
+          </a:prstGeom>
+        </p:spPr>
+        <p:style>
+          <a:lnRef idx="3">
+            <a:schemeClr val="lt1"/>
+          </a:lnRef>
+          <a:fillRef idx="1">
+            <a:schemeClr val="accent4"/>
+          </a:fillRef>
+          <a:effectRef idx="1">
+            <a:schemeClr val="accent4"/>
+          </a:effectRef>
+          <a:fontRef idx="minor">
+            <a:schemeClr val="lt1"/>
+          </a:fontRef>
+        </p:style>
+        <p:txBody>
+          <a:bodyPr wrap="square" rtlCol="0">
+            <a:spAutoFit/>
+          </a:bodyPr>
+          <a:lstStyle/>
+          <a:p>
+            <a:r>
+              <a:rPr lang="de-DE" dirty="0" smtClean="0">
+                <a:latin typeface="Source Sans Pro"/>
+              </a:rPr>
+              <a:t>Katze</a:t>
+            </a:r>
+          </a:p>
+          <a:p>
+            <a:r>
+              <a:rPr lang="de-DE" dirty="0" smtClean="0">
+                <a:latin typeface="Source Sans Pro"/>
+              </a:rPr>
+              <a:t>-erhältlich in fünf tollen Farben, sammle sie alle</a:t>
+            </a:r>
+            <a:endParaRPr lang="de-DE" dirty="0"/>
+          </a:p>
+        </p:txBody>
+      </p:sp>
+      <p:sp>
+        <p:nvSpPr>
+          <p:cNvPr id="14" name="Textfeld 13"/>
+          <p:cNvSpPr txBox="1"/>
+          <p:nvPr/>
+        </p:nvSpPr>
+        <p:spPr>
+          <a:xfrm>
+            <a:off x="1510777" y="4366173"/>
+            <a:ext cx="2880361" cy="923330"/>
+          </a:xfrm>
+          <a:prstGeom prst="rect">
+            <a:avLst/>
+          </a:prstGeom>
+        </p:spPr>
+        <p:style>
+          <a:lnRef idx="3">
+            <a:schemeClr val="lt1"/>
+          </a:lnRef>
+          <a:fillRef idx="1">
+            <a:schemeClr val="accent4"/>
+          </a:fillRef>
+          <a:effectRef idx="1">
+            <a:schemeClr val="accent4"/>
+          </a:effectRef>
+          <a:fontRef idx="minor">
+            <a:schemeClr val="lt1"/>
+          </a:fontRef>
+        </p:style>
+        <p:txBody>
+          <a:bodyPr wrap="square" rtlCol="0">
+            <a:spAutoFit/>
+          </a:bodyPr>
+          <a:lstStyle/>
+          <a:p>
+            <a:r>
+              <a:rPr lang="de-DE" dirty="0" smtClean="0">
+                <a:latin typeface="Source Sans Pro"/>
+              </a:rPr>
+              <a:t>Ninja</a:t>
+            </a:r>
+          </a:p>
+          <a:p>
+            <a:r>
+              <a:rPr lang="de-DE" dirty="0" smtClean="0">
+                <a:latin typeface="Source Sans Pro"/>
+              </a:rPr>
+              <a:t>-nahezu unsichtbar</a:t>
+            </a:r>
+          </a:p>
+          <a:p>
+            <a:r>
+              <a:rPr lang="de-DE" dirty="0" smtClean="0">
+                <a:latin typeface="Source Sans Pro"/>
+              </a:rPr>
+              <a:t>-tödlich im Nahkampf</a:t>
+            </a:r>
+            <a:endParaRPr lang="de-DE" dirty="0"/>
+          </a:p>
+        </p:txBody>
+      </p:sp>
+      <p:sp>
+        <p:nvSpPr>
+          <p:cNvPr id="15" name="Textfeld 14"/>
+          <p:cNvSpPr txBox="1"/>
+          <p:nvPr/>
+        </p:nvSpPr>
+        <p:spPr>
+          <a:xfrm>
+            <a:off x="5471272" y="1125472"/>
+            <a:ext cx="2880361" cy="923330"/>
+          </a:xfrm>
+          <a:prstGeom prst="rect">
+            <a:avLst/>
+          </a:prstGeom>
+        </p:spPr>
+        <p:style>
+          <a:lnRef idx="3">
+            <a:schemeClr val="lt1"/>
+          </a:lnRef>
+          <a:fillRef idx="1">
+            <a:schemeClr val="accent4"/>
+          </a:fillRef>
+          <a:effectRef idx="1">
+            <a:schemeClr val="accent4"/>
+          </a:effectRef>
+          <a:fontRef idx="minor">
+            <a:schemeClr val="lt1"/>
+          </a:fontRef>
+        </p:style>
+        <p:txBody>
+          <a:bodyPr wrap="square" rtlCol="0">
+            <a:spAutoFit/>
+          </a:bodyPr>
+          <a:lstStyle/>
+          <a:p>
+            <a:r>
+              <a:rPr lang="de-DE" dirty="0" err="1" smtClean="0">
+                <a:latin typeface="Source Sans Pro"/>
+              </a:rPr>
+              <a:t>Yakuza</a:t>
+            </a:r>
+            <a:endParaRPr lang="de-DE" dirty="0" smtClean="0">
+              <a:latin typeface="Source Sans Pro"/>
+            </a:endParaRPr>
+          </a:p>
+          <a:p>
+            <a:r>
+              <a:rPr lang="de-DE" dirty="0" smtClean="0">
+                <a:latin typeface="Source Sans Pro"/>
+              </a:rPr>
+              <a:t>-hält max. Waffenabstand</a:t>
+            </a:r>
+          </a:p>
+          <a:p>
+            <a:r>
+              <a:rPr lang="de-DE" dirty="0" smtClean="0">
+                <a:latin typeface="Source Sans Pro"/>
+              </a:rPr>
+              <a:t>-horizontal/vertikal zum @</a:t>
+            </a:r>
+            <a:endParaRPr lang="de-DE" dirty="0"/>
+          </a:p>
+        </p:txBody>
+      </p:sp>
+      <p:sp>
+        <p:nvSpPr>
+          <p:cNvPr id="16" name="Textfeld 15"/>
+          <p:cNvSpPr txBox="1"/>
+          <p:nvPr/>
+        </p:nvSpPr>
+        <p:spPr>
+          <a:xfrm>
+            <a:off x="5471272" y="2177757"/>
+            <a:ext cx="2880361" cy="923330"/>
+          </a:xfrm>
+          <a:prstGeom prst="rect">
+            <a:avLst/>
+          </a:prstGeom>
+        </p:spPr>
+        <p:style>
+          <a:lnRef idx="3">
+            <a:schemeClr val="lt1"/>
+          </a:lnRef>
+          <a:fillRef idx="1">
+            <a:schemeClr val="accent4"/>
+          </a:fillRef>
+          <a:effectRef idx="1">
+            <a:schemeClr val="accent4"/>
+          </a:effectRef>
+          <a:fontRef idx="minor">
+            <a:schemeClr val="lt1"/>
+          </a:fontRef>
+        </p:style>
+        <p:txBody>
+          <a:bodyPr wrap="square" rtlCol="0">
+            <a:spAutoFit/>
+          </a:bodyPr>
+          <a:lstStyle/>
+          <a:p>
+            <a:r>
+              <a:rPr lang="de-DE" dirty="0" smtClean="0">
+                <a:latin typeface="Source Sans Pro"/>
+              </a:rPr>
+              <a:t>Exsoldat</a:t>
+            </a:r>
+          </a:p>
+          <a:p>
+            <a:r>
+              <a:rPr lang="de-DE" dirty="0">
+                <a:latin typeface="Source Sans Pro"/>
+              </a:rPr>
+              <a:t>-hält max. </a:t>
+            </a:r>
+            <a:r>
+              <a:rPr lang="de-DE" dirty="0" smtClean="0">
+                <a:latin typeface="Source Sans Pro"/>
+              </a:rPr>
+              <a:t>Waffenabstand</a:t>
+            </a:r>
+          </a:p>
+          <a:p>
+            <a:r>
+              <a:rPr lang="de-DE" dirty="0" smtClean="0">
+                <a:latin typeface="Source Sans Pro"/>
+              </a:rPr>
+              <a:t>-stellt sich schräg zum @</a:t>
+            </a:r>
+            <a:endParaRPr lang="de-DE" dirty="0">
+              <a:latin typeface="Source Sans Pro"/>
+            </a:endParaRPr>
+          </a:p>
+        </p:txBody>
+      </p:sp>
+      <p:sp>
+        <p:nvSpPr>
+          <p:cNvPr id="18" name="Textfeld 17"/>
+          <p:cNvSpPr txBox="1"/>
+          <p:nvPr/>
+        </p:nvSpPr>
+        <p:spPr>
+          <a:xfrm>
+            <a:off x="5471273" y="3280946"/>
+            <a:ext cx="2880360" cy="2308324"/>
+          </a:xfrm>
+          <a:prstGeom prst="rect">
+            <a:avLst/>
+          </a:prstGeom>
+        </p:spPr>
+        <p:style>
+          <a:lnRef idx="3">
+            <a:schemeClr val="lt1"/>
+          </a:lnRef>
+          <a:fillRef idx="1">
+            <a:schemeClr val="accent4"/>
+          </a:fillRef>
+          <a:effectRef idx="1">
+            <a:schemeClr val="accent4"/>
+          </a:effectRef>
+          <a:fontRef idx="minor">
+            <a:schemeClr val="lt1"/>
+          </a:fontRef>
+        </p:style>
+        <p:txBody>
+          <a:bodyPr wrap="square" rtlCol="0">
+            <a:spAutoFit/>
+          </a:bodyPr>
+          <a:lstStyle/>
+          <a:p>
+            <a:r>
+              <a:rPr lang="de-DE" dirty="0" smtClean="0">
+                <a:latin typeface="Source Sans Pro"/>
+              </a:rPr>
+              <a:t>Verrücktes Trio</a:t>
+            </a:r>
+          </a:p>
+          <a:p>
+            <a:r>
+              <a:rPr lang="de-DE" dirty="0" smtClean="0">
+                <a:latin typeface="Source Sans Pro"/>
+              </a:rPr>
+              <a:t>I</a:t>
+            </a:r>
+            <a:r>
+              <a:rPr lang="de-DE" dirty="0">
+                <a:latin typeface="Source Sans Pro"/>
+              </a:rPr>
+              <a:t> </a:t>
+            </a:r>
+            <a:r>
+              <a:rPr lang="de-DE" smtClean="0">
+                <a:latin typeface="Source Sans Pro"/>
+              </a:rPr>
+              <a:t>= Irrer</a:t>
+            </a:r>
+          </a:p>
+          <a:p>
+            <a:r>
+              <a:rPr lang="de-DE" dirty="0" smtClean="0">
+                <a:latin typeface="Source Sans Pro"/>
+              </a:rPr>
+              <a:t>W = Wahnsinniger</a:t>
+            </a:r>
+          </a:p>
+          <a:p>
+            <a:r>
+              <a:rPr lang="de-DE" dirty="0" smtClean="0">
+                <a:latin typeface="Source Sans Pro"/>
+              </a:rPr>
+              <a:t>Ï = Verrückter Iwan</a:t>
+            </a:r>
+          </a:p>
+          <a:p>
+            <a:r>
+              <a:rPr lang="de-DE" dirty="0" smtClean="0">
+                <a:latin typeface="Source Sans Pro"/>
+              </a:rPr>
+              <a:t>-bewegen sich wie Junkies</a:t>
+            </a:r>
+          </a:p>
+          <a:p>
+            <a:r>
+              <a:rPr lang="de-DE" dirty="0" smtClean="0">
+                <a:latin typeface="Source Sans Pro"/>
+              </a:rPr>
+              <a:t>-reden wirres Zeug</a:t>
+            </a:r>
+          </a:p>
+          <a:p>
+            <a:r>
+              <a:rPr lang="de-DE" dirty="0" smtClean="0">
+                <a:latin typeface="Source Sans Pro"/>
+              </a:rPr>
+              <a:t>-spielen mit Sprengstoff</a:t>
+            </a:r>
+            <a:endParaRPr lang="de-DE" dirty="0">
+              <a:latin typeface="Source Sans Pro"/>
             </a:endParaRPr>
           </a:p>
         </p:txBody>
@@ -6312,10 +6958,6 @@
               </a:rPr>
               <a:t>refferwahrscheinlichkeit</a:t>
             </a:r>
-            <a:endParaRPr lang="de-DE" dirty="0" smtClean="0">
-              <a:latin typeface="Source Sans Pro"/>
-              <a:cs typeface="Source Sans Pro"/>
-            </a:endParaRPr>
           </a:p>
         </p:txBody>
       </p:sp>
@@ -6510,14 +7152,7 @@
                 <a:latin typeface="Source Sans Pro"/>
                 <a:cs typeface="Source Sans Pro"/>
               </a:rPr>
-              <a:t>Dank YAML sehr einfach </a:t>
-            </a:r>
-            <a:r>
-              <a:rPr lang="de-DE" dirty="0" smtClean="0">
-                <a:latin typeface="Source Sans Pro"/>
-                <a:cs typeface="Source Sans Pro"/>
-              </a:rPr>
-              <a:t>erweiterbar</a:t>
+              <a:t>Dank YAML sehr einfach erweiterbar</a:t>
             </a:r>
             <a:endParaRPr lang="de-DE" dirty="0">
               <a:latin typeface="Source Sans Pro"/>
@@ -6707,7 +7342,14 @@
                 <a:latin typeface="Source Sans Pro"/>
                 <a:cs typeface="Source Sans Pro"/>
               </a:rPr>
-              <a:t>Was funktioniert noch und was nicht?</a:t>
+              <a:t>Was </a:t>
+            </a:r>
+            <a:r>
+              <a:rPr lang="de-DE" sz="2800" dirty="0" smtClean="0">
+                <a:latin typeface="Source Sans Pro"/>
+                <a:cs typeface="Source Sans Pro"/>
+              </a:rPr>
+              <a:t>haben wir geschafft?</a:t>
             </a:r>
             <a:endParaRPr lang="de-DE" sz="2800" dirty="0">
               <a:latin typeface="Source Sans Pro"/>
@@ -6872,7 +7514,7 @@
         </p:nvSpPr>
         <p:spPr>
           <a:xfrm>
-            <a:off x="844434" y="3146837"/>
+            <a:off x="853989" y="2584025"/>
             <a:ext cx="7455132" cy="369332"/>
           </a:xfrm>
           <a:prstGeom prst="rect">
@@ -6908,35 +7550,7 @@
                 <a:latin typeface="Source Sans Pro"/>
                 <a:cs typeface="Source Sans Pro"/>
               </a:rPr>
-              <a:t>Waffen und Monster </a:t>
-            </a:r>
-            <a:r>
-              <a:rPr lang="de-DE" dirty="0" smtClean="0">
-                <a:latin typeface="Source Sans Pro"/>
-                <a:cs typeface="Source Sans Pro"/>
-              </a:rPr>
-              <a:t>k</a:t>
-            </a:r>
-            <a:r>
-              <a:rPr lang="de-DE" dirty="0" smtClean="0">
-                <a:latin typeface="Source Sans Pro"/>
-                <a:cs typeface="Source Sans Pro"/>
-              </a:rPr>
-              <a:t>önnen </a:t>
-            </a:r>
-            <a:r>
-              <a:rPr lang="de-DE" dirty="0" smtClean="0">
-                <a:latin typeface="Source Sans Pro"/>
-                <a:cs typeface="Source Sans Pro"/>
-              </a:rPr>
-              <a:t>in </a:t>
-            </a:r>
-            <a:r>
-              <a:rPr lang="de-DE" dirty="0" smtClean="0">
-                <a:latin typeface="Source Sans Pro"/>
-                <a:cs typeface="Source Sans Pro"/>
-              </a:rPr>
-              <a:t>YAML Dateien gespeichert werden</a:t>
+              <a:t>Waffen und Monster können in YAML Dateien gespeichert werden</a:t>
             </a:r>
             <a:endParaRPr lang="de-DE" dirty="0">
               <a:latin typeface="Source Sans Pro"/>
@@ -6989,14 +7603,7 @@
                 <a:latin typeface="Source Sans Pro"/>
                 <a:cs typeface="Source Sans Pro"/>
               </a:rPr>
-              <a:t>Fast alle Häuser </a:t>
-            </a:r>
-            <a:r>
-              <a:rPr lang="de-DE" dirty="0" smtClean="0">
-                <a:latin typeface="Source Sans Pro"/>
-                <a:cs typeface="Source Sans Pro"/>
-              </a:rPr>
-              <a:t>sind begehbar.</a:t>
+              <a:t>Fast alle Häuser sind begehbar.</a:t>
             </a:r>
             <a:endParaRPr lang="de-DE" dirty="0">
               <a:latin typeface="Source Sans Pro"/>
@@ -7019,6 +7626,9 @@
           <a:prstGeom prst="rect">
             <a:avLst/>
           </a:prstGeom>
+          <a:solidFill>
+            <a:srgbClr val="008000"/>
+          </a:solidFill>
         </p:spPr>
         <p:style>
           <a:lnRef idx="3">
@@ -7046,23 +7656,9 @@
                 <a:latin typeface="Source Sans Pro"/>
                 <a:cs typeface="Source Sans Pro"/>
               </a:rPr>
-              <a:t>Die Story </a:t>
-            </a:r>
-            <a:r>
-              <a:rPr lang="de-DE" dirty="0" smtClean="0">
-                <a:latin typeface="Source Sans Pro"/>
-                <a:cs typeface="Source Sans Pro"/>
-              </a:rPr>
-              <a:t>ist </a:t>
-            </a:r>
-            <a:r>
-              <a:rPr lang="de-DE" dirty="0" smtClean="0">
-                <a:latin typeface="Source Sans Pro"/>
-                <a:cs typeface="Source Sans Pro"/>
-              </a:rPr>
-              <a:t>noch nicht vorhanden</a:t>
-            </a:r>
-            <a:endParaRPr lang="de-DE" dirty="0">
+              <a:t>Personen sind ansprechbar – Story ist somit leicht umsetzbar</a:t>
+            </a:r>
+            <a:endParaRPr lang="de-DE" dirty="0" smtClean="0">
               <a:latin typeface="Source Sans Pro"/>
               <a:cs typeface="Source Sans Pro"/>
             </a:endParaRPr>
@@ -7077,12 +7673,15 @@
         </p:nvSpPr>
         <p:spPr>
           <a:xfrm>
-            <a:off x="853989" y="2599455"/>
+            <a:off x="853989" y="3149053"/>
             <a:ext cx="7455132" cy="369332"/>
           </a:xfrm>
           <a:prstGeom prst="rect">
             <a:avLst/>
           </a:prstGeom>
+          <a:solidFill>
+            <a:srgbClr val="008000"/>
+          </a:solidFill>
         </p:spPr>
         <p:style>
           <a:lnRef idx="3">
@@ -7110,28 +7709,7 @@
                 <a:latin typeface="Source Sans Pro"/>
                 <a:cs typeface="Source Sans Pro"/>
               </a:rPr>
-              <a:t>Es gibt noch keine </a:t>
-            </a:r>
-            <a:r>
-              <a:rPr lang="de-DE" dirty="0">
-                <a:latin typeface="Source Sans Pro"/>
-                <a:cs typeface="Source Sans Pro"/>
-              </a:rPr>
-              <a:t> </a:t>
-            </a:r>
-            <a:r>
-              <a:rPr lang="de-DE" dirty="0" err="1" smtClean="0">
-                <a:latin typeface="Source Sans Pro"/>
-                <a:cs typeface="Source Sans Pro"/>
-              </a:rPr>
-              <a:t>Bossfights</a:t>
-            </a:r>
-            <a:r>
-              <a:rPr lang="de-DE" dirty="0" smtClean="0">
-                <a:latin typeface="Source Sans Pro"/>
-                <a:cs typeface="Source Sans Pro"/>
-              </a:rPr>
-              <a:t> </a:t>
+              <a:t>Es gibt verschiedene Drop-arten</a:t>
             </a:r>
             <a:endParaRPr lang="de-DE" dirty="0">
               <a:latin typeface="Source Sans Pro"/>
@@ -7154,6 +7732,9 @@
           <a:prstGeom prst="rect">
             <a:avLst/>
           </a:prstGeom>
+          <a:solidFill>
+            <a:srgbClr val="008000"/>
+          </a:solidFill>
         </p:spPr>
         <p:style>
           <a:lnRef idx="3">
@@ -7181,7 +7762,7 @@
                 <a:latin typeface="Source Sans Pro"/>
                 <a:cs typeface="Source Sans Pro"/>
               </a:rPr>
-              <a:t>Karte ist noch nicht farbig</a:t>
+              <a:t>Es gibt ein Inventar und eine Hilfeseite</a:t>
             </a:r>
             <a:endParaRPr lang="de-DE" dirty="0">
               <a:latin typeface="Source Sans Pro"/>
@@ -7204,6 +7785,9 @@
           <a:prstGeom prst="rect">
             <a:avLst/>
           </a:prstGeom>
+          <a:solidFill>
+            <a:srgbClr val="008000"/>
+          </a:solidFill>
         </p:spPr>
         <p:style>
           <a:lnRef idx="3">
@@ -7231,7 +7815,14 @@
                 <a:latin typeface="Source Sans Pro"/>
                 <a:cs typeface="Source Sans Pro"/>
               </a:rPr>
-              <a:t>Es gibt noch kein Schadensmodel und noch keine Erfahrung</a:t>
+              <a:t>Ans</a:t>
+            </a:r>
+            <a:r>
+              <a:rPr lang="de-DE" dirty="0" smtClean="0">
+                <a:latin typeface="Source Sans Pro"/>
+                <a:cs typeface="Source Sans Pro"/>
+              </a:rPr>
+              <a:t>ätze eines Schadensmodells sind implementiert</a:t>
             </a:r>
             <a:endParaRPr lang="de-DE" dirty="0">
               <a:latin typeface="Source Sans Pro"/>

--- a/files/endpraesentation.pptx
+++ b/files/endpraesentation.pptx
@@ -12,6 +12,7 @@
     <p:sldId id="263" r:id="rId6"/>
     <p:sldId id="264" r:id="rId7"/>
     <p:sldId id="262" r:id="rId8"/>
+    <p:sldId id="267" r:id="rId9"/>
   </p:sldIdLst>
   <p:sldSz cx="9144000" cy="6858000" type="screen4x3"/>
   <p:notesSz cx="6858000" cy="9144000"/>
@@ -7342,14 +7343,7 @@
                 <a:latin typeface="Source Sans Pro"/>
                 <a:cs typeface="Source Sans Pro"/>
               </a:rPr>
-              <a:t>Was </a:t>
-            </a:r>
-            <a:r>
-              <a:rPr lang="de-DE" sz="2800" dirty="0" smtClean="0">
-                <a:latin typeface="Source Sans Pro"/>
-                <a:cs typeface="Source Sans Pro"/>
-              </a:rPr>
-              <a:t>haben wir geschafft?</a:t>
+              <a:t>Was haben wir geschafft?</a:t>
             </a:r>
             <a:endParaRPr lang="de-DE" sz="2800" dirty="0">
               <a:latin typeface="Source Sans Pro"/>
@@ -7658,10 +7652,6 @@
               </a:rPr>
               <a:t>Personen sind ansprechbar – Story ist somit leicht umsetzbar</a:t>
             </a:r>
-            <a:endParaRPr lang="de-DE" dirty="0" smtClean="0">
-              <a:latin typeface="Source Sans Pro"/>
-              <a:cs typeface="Source Sans Pro"/>
-            </a:endParaRPr>
           </a:p>
         </p:txBody>
       </p:sp>
@@ -7815,14 +7805,7 @@
                 <a:latin typeface="Source Sans Pro"/>
                 <a:cs typeface="Source Sans Pro"/>
               </a:rPr>
-              <a:t>Ans</a:t>
-            </a:r>
-            <a:r>
-              <a:rPr lang="de-DE" dirty="0" smtClean="0">
-                <a:latin typeface="Source Sans Pro"/>
-                <a:cs typeface="Source Sans Pro"/>
-              </a:rPr>
-              <a:t>ätze eines Schadensmodells sind implementiert</a:t>
+              <a:t>Ansätze eines Schadensmodells sind implementiert</a:t>
             </a:r>
             <a:endParaRPr lang="de-DE" dirty="0">
               <a:latin typeface="Source Sans Pro"/>
@@ -7835,6 +7818,166 @@
     <p:extLst>
       <p:ext uri="{BB962C8B-B14F-4D97-AF65-F5344CB8AC3E}">
         <p14:creationId xmlns:p14="http://schemas.microsoft.com/office/powerpoint/2010/main" val="2122212787"/>
+      </p:ext>
+    </p:extLst>
+  </p:cSld>
+  <p:clrMapOvr>
+    <a:masterClrMapping/>
+  </p:clrMapOvr>
+</p:sld>
+</file>
+
+<file path=ppt/slides/slide8.xml><?xml version="1.0" encoding="utf-8"?>
+<p:sld xmlns:a="http://schemas.openxmlformats.org/drawingml/2006/main" xmlns:r="http://schemas.openxmlformats.org/officeDocument/2006/relationships" xmlns:p="http://schemas.openxmlformats.org/presentationml/2006/main">
+  <p:cSld>
+    <p:spTree>
+      <p:nvGrpSpPr>
+        <p:cNvPr id="1" name=""/>
+        <p:cNvGrpSpPr/>
+        <p:nvPr/>
+      </p:nvGrpSpPr>
+      <p:grpSpPr>
+        <a:xfrm>
+          <a:off x="0" y="0"/>
+          <a:ext cx="0" cy="0"/>
+          <a:chOff x="0" y="0"/>
+          <a:chExt cx="0" cy="0"/>
+        </a:xfrm>
+      </p:grpSpPr>
+      <p:sp>
+        <p:nvSpPr>
+          <p:cNvPr id="4" name="Textfeld 3"/>
+          <p:cNvSpPr txBox="1"/>
+          <p:nvPr/>
+        </p:nvSpPr>
+        <p:spPr>
+          <a:xfrm>
+            <a:off x="712852" y="724019"/>
+            <a:ext cx="7560945" cy="1754327"/>
+          </a:xfrm>
+          <a:prstGeom prst="rect">
+            <a:avLst/>
+          </a:prstGeom>
+          <a:noFill/>
+        </p:spPr>
+        <p:txBody>
+          <a:bodyPr wrap="square" rtlCol="0">
+            <a:spAutoFit/>
+          </a:bodyPr>
+          <a:lstStyle/>
+          <a:p>
+            <a:r>
+              <a:rPr lang="de-DE" sz="3600" dirty="0" smtClean="0">
+                <a:latin typeface="Source Sans Pro"/>
+                <a:cs typeface="Source Sans Pro"/>
+              </a:rPr>
+              <a:t>Ein Projekt im Rahmen des Softwarepraktikums 2013 der FU-Berlin</a:t>
+            </a:r>
+            <a:endParaRPr lang="de-DE" sz="3600" dirty="0">
+              <a:latin typeface="Source Sans Pro"/>
+              <a:cs typeface="Source Sans Pro"/>
+            </a:endParaRPr>
+          </a:p>
+        </p:txBody>
+      </p:sp>
+      <p:sp>
+        <p:nvSpPr>
+          <p:cNvPr id="5" name="Textfeld 4"/>
+          <p:cNvSpPr txBox="1"/>
+          <p:nvPr/>
+        </p:nvSpPr>
+        <p:spPr>
+          <a:xfrm>
+            <a:off x="712852" y="5773936"/>
+            <a:ext cx="7459598" cy="369332"/>
+          </a:xfrm>
+          <a:prstGeom prst="rect">
+            <a:avLst/>
+          </a:prstGeom>
+          <a:noFill/>
+        </p:spPr>
+        <p:txBody>
+          <a:bodyPr wrap="square" rtlCol="0">
+            <a:spAutoFit/>
+          </a:bodyPr>
+          <a:lstStyle/>
+          <a:p>
+            <a:r>
+              <a:rPr lang="de-DE" dirty="0" smtClean="0">
+                <a:latin typeface="Source Sans Pro"/>
+                <a:cs typeface="Source Sans Pro"/>
+              </a:rPr>
+              <a:t>Von Robert Krehl, Antonio L</a:t>
+            </a:r>
+            <a:r>
+              <a:rPr lang="de-DE" dirty="0" smtClean="0">
+                <a:latin typeface="Source Sans Pro"/>
+                <a:cs typeface="Source Sans Pro"/>
+              </a:rPr>
+              <a:t>öwe, Maximilian </a:t>
+            </a:r>
+            <a:r>
+              <a:rPr lang="de-DE" dirty="0" err="1" smtClean="0">
+                <a:latin typeface="Source Sans Pro"/>
+                <a:cs typeface="Source Sans Pro"/>
+              </a:rPr>
+              <a:t>Stauss</a:t>
+            </a:r>
+            <a:r>
+              <a:rPr lang="de-DE" dirty="0" smtClean="0">
+                <a:latin typeface="Source Sans Pro"/>
+                <a:cs typeface="Source Sans Pro"/>
+              </a:rPr>
+              <a:t>, Pascal </a:t>
+            </a:r>
+            <a:r>
+              <a:rPr lang="de-DE" dirty="0" err="1" smtClean="0">
+                <a:latin typeface="Source Sans Pro"/>
+                <a:cs typeface="Source Sans Pro"/>
+              </a:rPr>
+              <a:t>Triebsch</a:t>
+            </a:r>
+            <a:endParaRPr lang="de-DE" dirty="0" smtClean="0">
+              <a:latin typeface="Source Sans Pro"/>
+              <a:cs typeface="Source Sans Pro"/>
+            </a:endParaRPr>
+          </a:p>
+        </p:txBody>
+      </p:sp>
+      <p:pic>
+        <p:nvPicPr>
+          <p:cNvPr id="6" name="Bild 5" descr="Logo_sw_CMYK.png"/>
+          <p:cNvPicPr>
+            <a:picLocks noChangeAspect="1"/>
+          </p:cNvPicPr>
+          <p:nvPr/>
+        </p:nvPicPr>
+        <p:blipFill>
+          <a:blip r:embed="rId2">
+            <a:extLst>
+              <a:ext uri="{28A0092B-C50C-407E-A947-70E740481C1C}">
+                <a14:useLocalDpi xmlns:a14="http://schemas.microsoft.com/office/drawing/2010/main" val="0"/>
+              </a:ext>
+            </a:extLst>
+          </a:blip>
+          <a:stretch>
+            <a:fillRect/>
+          </a:stretch>
+        </p:blipFill>
+        <p:spPr>
+          <a:xfrm>
+            <a:off x="952134" y="3068955"/>
+            <a:ext cx="7092315" cy="1908674"/>
+          </a:xfrm>
+          <a:prstGeom prst="rect">
+            <a:avLst/>
+          </a:prstGeom>
+        </p:spPr>
+      </p:pic>
+    </p:spTree>
+    <p:extLst>
+      <p:ext uri="{BB962C8B-B14F-4D97-AF65-F5344CB8AC3E}">
+        <p14:creationId xmlns:p14="http://schemas.microsoft.com/office/powerpoint/2010/main" val="2336072841"/>
       </p:ext>
     </p:extLst>
   </p:cSld>
